--- a/The Presentation.pptx
+++ b/The Presentation.pptx
@@ -2,7 +2,7 @@
 <file path=ppt/presentation.xml><?xml version="1.0" encoding="utf-8"?>
 <p:presentation xmlns:a="http://schemas.openxmlformats.org/drawingml/2006/main" xmlns:r="http://schemas.openxmlformats.org/officeDocument/2006/relationships" xmlns:p="http://schemas.openxmlformats.org/presentationml/2006/main" saveSubsetFonts="1">
   <p:sldMasterIdLst>
-    <p:sldMasterId id="2147483648" r:id="rId1"/>
+    <p:sldMasterId id="2147483660" r:id="rId1"/>
   </p:sldMasterIdLst>
   <p:sldIdLst>
     <p:sldId id="256" r:id="rId2"/>
@@ -20,7 +20,7 @@
     <a:defPPr>
       <a:defRPr lang="en-US"/>
     </a:defPPr>
-    <a:lvl1pPr marL="0" algn="l" defTabSz="914400" rtl="0" eaLnBrk="1" latinLnBrk="0" hangingPunct="1">
+    <a:lvl1pPr marL="0" algn="l" defTabSz="457200" rtl="0" eaLnBrk="1" latinLnBrk="0" hangingPunct="1">
       <a:defRPr sz="1800" kern="1200">
         <a:solidFill>
           <a:schemeClr val="tx1"/>
@@ -30,7 +30,7 @@
         <a:cs typeface="+mn-cs"/>
       </a:defRPr>
     </a:lvl1pPr>
-    <a:lvl2pPr marL="457200" algn="l" defTabSz="914400" rtl="0" eaLnBrk="1" latinLnBrk="0" hangingPunct="1">
+    <a:lvl2pPr marL="457200" algn="l" defTabSz="457200" rtl="0" eaLnBrk="1" latinLnBrk="0" hangingPunct="1">
       <a:defRPr sz="1800" kern="1200">
         <a:solidFill>
           <a:schemeClr val="tx1"/>
@@ -40,7 +40,7 @@
         <a:cs typeface="+mn-cs"/>
       </a:defRPr>
     </a:lvl2pPr>
-    <a:lvl3pPr marL="914400" algn="l" defTabSz="914400" rtl="0" eaLnBrk="1" latinLnBrk="0" hangingPunct="1">
+    <a:lvl3pPr marL="914400" algn="l" defTabSz="457200" rtl="0" eaLnBrk="1" latinLnBrk="0" hangingPunct="1">
       <a:defRPr sz="1800" kern="1200">
         <a:solidFill>
           <a:schemeClr val="tx1"/>
@@ -50,7 +50,7 @@
         <a:cs typeface="+mn-cs"/>
       </a:defRPr>
     </a:lvl3pPr>
-    <a:lvl4pPr marL="1371600" algn="l" defTabSz="914400" rtl="0" eaLnBrk="1" latinLnBrk="0" hangingPunct="1">
+    <a:lvl4pPr marL="1371600" algn="l" defTabSz="457200" rtl="0" eaLnBrk="1" latinLnBrk="0" hangingPunct="1">
       <a:defRPr sz="1800" kern="1200">
         <a:solidFill>
           <a:schemeClr val="tx1"/>
@@ -60,7 +60,7 @@
         <a:cs typeface="+mn-cs"/>
       </a:defRPr>
     </a:lvl4pPr>
-    <a:lvl5pPr marL="1828800" algn="l" defTabSz="914400" rtl="0" eaLnBrk="1" latinLnBrk="0" hangingPunct="1">
+    <a:lvl5pPr marL="1828800" algn="l" defTabSz="457200" rtl="0" eaLnBrk="1" latinLnBrk="0" hangingPunct="1">
       <a:defRPr sz="1800" kern="1200">
         <a:solidFill>
           <a:schemeClr val="tx1"/>
@@ -70,7 +70,7 @@
         <a:cs typeface="+mn-cs"/>
       </a:defRPr>
     </a:lvl5pPr>
-    <a:lvl6pPr marL="2286000" algn="l" defTabSz="914400" rtl="0" eaLnBrk="1" latinLnBrk="0" hangingPunct="1">
+    <a:lvl6pPr marL="2286000" algn="l" defTabSz="457200" rtl="0" eaLnBrk="1" latinLnBrk="0" hangingPunct="1">
       <a:defRPr sz="1800" kern="1200">
         <a:solidFill>
           <a:schemeClr val="tx1"/>
@@ -80,7 +80,7 @@
         <a:cs typeface="+mn-cs"/>
       </a:defRPr>
     </a:lvl6pPr>
-    <a:lvl7pPr marL="2743200" algn="l" defTabSz="914400" rtl="0" eaLnBrk="1" latinLnBrk="0" hangingPunct="1">
+    <a:lvl7pPr marL="2743200" algn="l" defTabSz="457200" rtl="0" eaLnBrk="1" latinLnBrk="0" hangingPunct="1">
       <a:defRPr sz="1800" kern="1200">
         <a:solidFill>
           <a:schemeClr val="tx1"/>
@@ -90,7 +90,7 @@
         <a:cs typeface="+mn-cs"/>
       </a:defRPr>
     </a:lvl7pPr>
-    <a:lvl8pPr marL="3200400" algn="l" defTabSz="914400" rtl="0" eaLnBrk="1" latinLnBrk="0" hangingPunct="1">
+    <a:lvl8pPr marL="3200400" algn="l" defTabSz="457200" rtl="0" eaLnBrk="1" latinLnBrk="0" hangingPunct="1">
       <a:defRPr sz="1800" kern="1200">
         <a:solidFill>
           <a:schemeClr val="tx1"/>
@@ -100,7 +100,7 @@
         <a:cs typeface="+mn-cs"/>
       </a:defRPr>
     </a:lvl8pPr>
-    <a:lvl9pPr marL="3657600" algn="l" defTabSz="914400" rtl="0" eaLnBrk="1" latinLnBrk="0" hangingPunct="1">
+    <a:lvl9pPr marL="3657600" algn="l" defTabSz="457200" rtl="0" eaLnBrk="1" latinLnBrk="0" hangingPunct="1">
       <a:defRPr sz="1800" kern="1200">
         <a:solidFill>
           <a:schemeClr val="tx1"/>
@@ -111,11 +111,237 @@
       </a:defRPr>
     </a:lvl9pPr>
   </p:defaultTextStyle>
+  <p:extLst>
+    <p:ext uri="{EFAFB233-063F-42B5-8137-9DF3F51BA10A}">
+      <p15:sldGuideLst xmlns:p15="http://schemas.microsoft.com/office/powerpoint/2012/main"/>
+    </p:ext>
+  </p:extLst>
 </p:presentation>
 </file>
 
+<file path=ppt/revisionInfo.xml><?xml version="1.0" encoding="utf-8"?>
+<p1510:revInfo xmlns:a="http://schemas.openxmlformats.org/drawingml/2006/main" xmlns:r="http://schemas.openxmlformats.org/officeDocument/2006/relationships" xmlns:p1510="http://schemas.microsoft.com/office/powerpoint/2015/10/main">
+  <p1510:revLst>
+    <p1510:client id="{F08A8CCA-9AC2-43BB-9BB6-C7BCBE7B2F35}" v="3" dt="2022-12-05T16:07:59.953"/>
+  </p1510:revLst>
+</p1510:revInfo>
+</file>
+
+<file path=ppt/changesInfos/changesInfo1.xml><?xml version="1.0" encoding="utf-8"?>
+<pc:chgInfo xmlns:a="http://schemas.openxmlformats.org/drawingml/2006/main" xmlns:r="http://schemas.openxmlformats.org/officeDocument/2006/relationships" xmlns:ac="http://schemas.microsoft.com/office/drawing/2013/main/command" xmlns:pc="http://schemas.microsoft.com/office/powerpoint/2013/main/command">
+  <pc:docChgLst>
+    <pc:chgData name="Madalyn Moulton" userId="122ac439-54d5-40fe-bbb2-efa83f5519d1" providerId="ADAL" clId="{F08A8CCA-9AC2-43BB-9BB6-C7BCBE7B2F35}"/>
+    <pc:docChg chg="undo custSel modSld sldOrd modMainMaster">
+      <pc:chgData name="Madalyn Moulton" userId="122ac439-54d5-40fe-bbb2-efa83f5519d1" providerId="ADAL" clId="{F08A8CCA-9AC2-43BB-9BB6-C7BCBE7B2F35}" dt="2022-12-05T16:09:45.565" v="122" actId="20577"/>
+      <pc:docMkLst>
+        <pc:docMk/>
+      </pc:docMkLst>
+      <pc:sldChg chg="modSp mod">
+        <pc:chgData name="Madalyn Moulton" userId="122ac439-54d5-40fe-bbb2-efa83f5519d1" providerId="ADAL" clId="{F08A8CCA-9AC2-43BB-9BB6-C7BCBE7B2F35}" dt="2022-12-05T16:09:45.565" v="122" actId="20577"/>
+        <pc:sldMkLst>
+          <pc:docMk/>
+          <pc:sldMk cId="3196380897" sldId="256"/>
+        </pc:sldMkLst>
+        <pc:spChg chg="mod">
+          <ac:chgData name="Madalyn Moulton" userId="122ac439-54d5-40fe-bbb2-efa83f5519d1" providerId="ADAL" clId="{F08A8CCA-9AC2-43BB-9BB6-C7BCBE7B2F35}" dt="2022-12-05T16:09:41.510" v="115" actId="404"/>
+          <ac:spMkLst>
+            <pc:docMk/>
+            <pc:sldMk cId="3196380897" sldId="256"/>
+            <ac:spMk id="2" creationId="{3DE8939E-8243-0F11-DFC6-E53C82EF4AE0}"/>
+          </ac:spMkLst>
+        </pc:spChg>
+        <pc:spChg chg="mod">
+          <ac:chgData name="Madalyn Moulton" userId="122ac439-54d5-40fe-bbb2-efa83f5519d1" providerId="ADAL" clId="{F08A8CCA-9AC2-43BB-9BB6-C7BCBE7B2F35}" dt="2022-12-05T16:09:45.565" v="122" actId="20577"/>
+          <ac:spMkLst>
+            <pc:docMk/>
+            <pc:sldMk cId="3196380897" sldId="256"/>
+            <ac:spMk id="3" creationId="{C808D33A-6334-F694-ACBB-C043050CF59F}"/>
+          </ac:spMkLst>
+        </pc:spChg>
+      </pc:sldChg>
+      <pc:sldChg chg="modSp">
+        <pc:chgData name="Madalyn Moulton" userId="122ac439-54d5-40fe-bbb2-efa83f5519d1" providerId="ADAL" clId="{F08A8CCA-9AC2-43BB-9BB6-C7BCBE7B2F35}" dt="2022-12-05T16:07:48.066" v="1"/>
+        <pc:sldMkLst>
+          <pc:docMk/>
+          <pc:sldMk cId="1361540022" sldId="257"/>
+        </pc:sldMkLst>
+        <pc:spChg chg="mod">
+          <ac:chgData name="Madalyn Moulton" userId="122ac439-54d5-40fe-bbb2-efa83f5519d1" providerId="ADAL" clId="{F08A8CCA-9AC2-43BB-9BB6-C7BCBE7B2F35}" dt="2022-12-05T16:07:48.066" v="1"/>
+          <ac:spMkLst>
+            <pc:docMk/>
+            <pc:sldMk cId="1361540022" sldId="257"/>
+            <ac:spMk id="2" creationId="{5945811C-613E-4D79-8E14-3CAD942717AD}"/>
+          </ac:spMkLst>
+        </pc:spChg>
+        <pc:spChg chg="mod">
+          <ac:chgData name="Madalyn Moulton" userId="122ac439-54d5-40fe-bbb2-efa83f5519d1" providerId="ADAL" clId="{F08A8CCA-9AC2-43BB-9BB6-C7BCBE7B2F35}" dt="2022-12-05T16:07:48.066" v="1"/>
+          <ac:spMkLst>
+            <pc:docMk/>
+            <pc:sldMk cId="1361540022" sldId="257"/>
+            <ac:spMk id="3" creationId="{A1B11BEF-89C6-A4CA-AE91-9ECD95630EFD}"/>
+          </ac:spMkLst>
+        </pc:spChg>
+      </pc:sldChg>
+      <pc:sldChg chg="modSp">
+        <pc:chgData name="Madalyn Moulton" userId="122ac439-54d5-40fe-bbb2-efa83f5519d1" providerId="ADAL" clId="{F08A8CCA-9AC2-43BB-9BB6-C7BCBE7B2F35}" dt="2022-12-05T16:07:48.066" v="1"/>
+        <pc:sldMkLst>
+          <pc:docMk/>
+          <pc:sldMk cId="3239348487" sldId="258"/>
+        </pc:sldMkLst>
+        <pc:spChg chg="mod">
+          <ac:chgData name="Madalyn Moulton" userId="122ac439-54d5-40fe-bbb2-efa83f5519d1" providerId="ADAL" clId="{F08A8CCA-9AC2-43BB-9BB6-C7BCBE7B2F35}" dt="2022-12-05T16:07:48.066" v="1"/>
+          <ac:spMkLst>
+            <pc:docMk/>
+            <pc:sldMk cId="3239348487" sldId="258"/>
+            <ac:spMk id="2" creationId="{CFBB487C-0FD2-7007-D64E-FB7E6692830D}"/>
+          </ac:spMkLst>
+        </pc:spChg>
+        <pc:spChg chg="mod">
+          <ac:chgData name="Madalyn Moulton" userId="122ac439-54d5-40fe-bbb2-efa83f5519d1" providerId="ADAL" clId="{F08A8CCA-9AC2-43BB-9BB6-C7BCBE7B2F35}" dt="2022-12-05T16:07:48.066" v="1"/>
+          <ac:spMkLst>
+            <pc:docMk/>
+            <pc:sldMk cId="3239348487" sldId="258"/>
+            <ac:spMk id="3" creationId="{35BCF953-CF61-9A07-E789-5172E5FAC8DA}"/>
+          </ac:spMkLst>
+        </pc:spChg>
+      </pc:sldChg>
+      <pc:sldChg chg="modSp">
+        <pc:chgData name="Madalyn Moulton" userId="122ac439-54d5-40fe-bbb2-efa83f5519d1" providerId="ADAL" clId="{F08A8CCA-9AC2-43BB-9BB6-C7BCBE7B2F35}" dt="2022-12-05T16:07:48.066" v="1"/>
+        <pc:sldMkLst>
+          <pc:docMk/>
+          <pc:sldMk cId="2120132013" sldId="259"/>
+        </pc:sldMkLst>
+        <pc:spChg chg="mod">
+          <ac:chgData name="Madalyn Moulton" userId="122ac439-54d5-40fe-bbb2-efa83f5519d1" providerId="ADAL" clId="{F08A8CCA-9AC2-43BB-9BB6-C7BCBE7B2F35}" dt="2022-12-05T16:07:48.066" v="1"/>
+          <ac:spMkLst>
+            <pc:docMk/>
+            <pc:sldMk cId="2120132013" sldId="259"/>
+            <ac:spMk id="2" creationId="{3CF10CDF-BBC5-B364-14AC-BC87C1E45702}"/>
+          </ac:spMkLst>
+        </pc:spChg>
+        <pc:spChg chg="mod">
+          <ac:chgData name="Madalyn Moulton" userId="122ac439-54d5-40fe-bbb2-efa83f5519d1" providerId="ADAL" clId="{F08A8CCA-9AC2-43BB-9BB6-C7BCBE7B2F35}" dt="2022-12-05T16:07:48.066" v="1"/>
+          <ac:spMkLst>
+            <pc:docMk/>
+            <pc:sldMk cId="2120132013" sldId="259"/>
+            <ac:spMk id="3" creationId="{B449CF6A-1253-98CA-BCA9-C77847C2D850}"/>
+          </ac:spMkLst>
+        </pc:spChg>
+      </pc:sldChg>
+      <pc:sldChg chg="modSp">
+        <pc:chgData name="Madalyn Moulton" userId="122ac439-54d5-40fe-bbb2-efa83f5519d1" providerId="ADAL" clId="{F08A8CCA-9AC2-43BB-9BB6-C7BCBE7B2F35}" dt="2022-12-05T16:07:48.066" v="1"/>
+        <pc:sldMkLst>
+          <pc:docMk/>
+          <pc:sldMk cId="2641648444" sldId="260"/>
+        </pc:sldMkLst>
+        <pc:spChg chg="mod">
+          <ac:chgData name="Madalyn Moulton" userId="122ac439-54d5-40fe-bbb2-efa83f5519d1" providerId="ADAL" clId="{F08A8CCA-9AC2-43BB-9BB6-C7BCBE7B2F35}" dt="2022-12-05T16:07:48.066" v="1"/>
+          <ac:spMkLst>
+            <pc:docMk/>
+            <pc:sldMk cId="2641648444" sldId="260"/>
+            <ac:spMk id="2" creationId="{23FCC407-8299-44E9-112F-97EC5A2E206A}"/>
+          </ac:spMkLst>
+        </pc:spChg>
+        <pc:spChg chg="mod">
+          <ac:chgData name="Madalyn Moulton" userId="122ac439-54d5-40fe-bbb2-efa83f5519d1" providerId="ADAL" clId="{F08A8CCA-9AC2-43BB-9BB6-C7BCBE7B2F35}" dt="2022-12-05T16:07:48.066" v="1"/>
+          <ac:spMkLst>
+            <pc:docMk/>
+            <pc:sldMk cId="2641648444" sldId="260"/>
+            <ac:spMk id="3" creationId="{45027CBA-9F45-706F-5415-34310D22A7EF}"/>
+          </ac:spMkLst>
+        </pc:spChg>
+      </pc:sldChg>
+      <pc:sldChg chg="modSp">
+        <pc:chgData name="Madalyn Moulton" userId="122ac439-54d5-40fe-bbb2-efa83f5519d1" providerId="ADAL" clId="{F08A8CCA-9AC2-43BB-9BB6-C7BCBE7B2F35}" dt="2022-12-05T16:07:48.066" v="1"/>
+        <pc:sldMkLst>
+          <pc:docMk/>
+          <pc:sldMk cId="3270990119" sldId="261"/>
+        </pc:sldMkLst>
+        <pc:spChg chg="mod">
+          <ac:chgData name="Madalyn Moulton" userId="122ac439-54d5-40fe-bbb2-efa83f5519d1" providerId="ADAL" clId="{F08A8CCA-9AC2-43BB-9BB6-C7BCBE7B2F35}" dt="2022-12-05T16:07:48.066" v="1"/>
+          <ac:spMkLst>
+            <pc:docMk/>
+            <pc:sldMk cId="3270990119" sldId="261"/>
+            <ac:spMk id="2" creationId="{E0ACB578-E18A-FF99-E84A-2730CD1B71FD}"/>
+          </ac:spMkLst>
+        </pc:spChg>
+        <pc:spChg chg="mod">
+          <ac:chgData name="Madalyn Moulton" userId="122ac439-54d5-40fe-bbb2-efa83f5519d1" providerId="ADAL" clId="{F08A8CCA-9AC2-43BB-9BB6-C7BCBE7B2F35}" dt="2022-12-05T16:07:48.066" v="1"/>
+          <ac:spMkLst>
+            <pc:docMk/>
+            <pc:sldMk cId="3270990119" sldId="261"/>
+            <ac:spMk id="3" creationId="{94B7B245-5318-8B64-1E72-79182E7923C6}"/>
+          </ac:spMkLst>
+        </pc:spChg>
+      </pc:sldChg>
+      <pc:sldChg chg="modSp">
+        <pc:chgData name="Madalyn Moulton" userId="122ac439-54d5-40fe-bbb2-efa83f5519d1" providerId="ADAL" clId="{F08A8CCA-9AC2-43BB-9BB6-C7BCBE7B2F35}" dt="2022-12-05T16:07:48.066" v="1"/>
+        <pc:sldMkLst>
+          <pc:docMk/>
+          <pc:sldMk cId="2928534822" sldId="262"/>
+        </pc:sldMkLst>
+        <pc:spChg chg="mod">
+          <ac:chgData name="Madalyn Moulton" userId="122ac439-54d5-40fe-bbb2-efa83f5519d1" providerId="ADAL" clId="{F08A8CCA-9AC2-43BB-9BB6-C7BCBE7B2F35}" dt="2022-12-05T16:07:48.066" v="1"/>
+          <ac:spMkLst>
+            <pc:docMk/>
+            <pc:sldMk cId="2928534822" sldId="262"/>
+            <ac:spMk id="2" creationId="{2D15D465-58C0-61C8-71EB-0C5E970D2CB9}"/>
+          </ac:spMkLst>
+        </pc:spChg>
+        <pc:spChg chg="mod">
+          <ac:chgData name="Madalyn Moulton" userId="122ac439-54d5-40fe-bbb2-efa83f5519d1" providerId="ADAL" clId="{F08A8CCA-9AC2-43BB-9BB6-C7BCBE7B2F35}" dt="2022-12-05T16:07:48.066" v="1"/>
+          <ac:spMkLst>
+            <pc:docMk/>
+            <pc:sldMk cId="2928534822" sldId="262"/>
+            <ac:spMk id="3" creationId="{B7BA3660-006F-C0DF-BE62-2EA69F695FF7}"/>
+          </ac:spMkLst>
+        </pc:spChg>
+      </pc:sldChg>
+      <pc:sldChg chg="modSp ord">
+        <pc:chgData name="Madalyn Moulton" userId="122ac439-54d5-40fe-bbb2-efa83f5519d1" providerId="ADAL" clId="{F08A8CCA-9AC2-43BB-9BB6-C7BCBE7B2F35}" dt="2022-12-05T16:08:09.024" v="4"/>
+        <pc:sldMkLst>
+          <pc:docMk/>
+          <pc:sldMk cId="1022381218" sldId="263"/>
+        </pc:sldMkLst>
+        <pc:spChg chg="mod">
+          <ac:chgData name="Madalyn Moulton" userId="122ac439-54d5-40fe-bbb2-efa83f5519d1" providerId="ADAL" clId="{F08A8CCA-9AC2-43BB-9BB6-C7BCBE7B2F35}" dt="2022-12-05T16:07:48.066" v="1"/>
+          <ac:spMkLst>
+            <pc:docMk/>
+            <pc:sldMk cId="1022381218" sldId="263"/>
+            <ac:spMk id="2" creationId="{D6F03807-7474-AC7E-C3D3-3FABD7BEFBDD}"/>
+          </ac:spMkLst>
+        </pc:spChg>
+        <pc:spChg chg="mod">
+          <ac:chgData name="Madalyn Moulton" userId="122ac439-54d5-40fe-bbb2-efa83f5519d1" providerId="ADAL" clId="{F08A8CCA-9AC2-43BB-9BB6-C7BCBE7B2F35}" dt="2022-12-05T16:07:48.066" v="1"/>
+          <ac:spMkLst>
+            <pc:docMk/>
+            <pc:sldMk cId="1022381218" sldId="263"/>
+            <ac:spMk id="3" creationId="{263F44A5-48E4-98C2-F1E3-8C2DA77CF96C}"/>
+          </ac:spMkLst>
+        </pc:spChg>
+      </pc:sldChg>
+      <pc:sldMasterChg chg="setBg modSldLayout">
+        <pc:chgData name="Madalyn Moulton" userId="122ac439-54d5-40fe-bbb2-efa83f5519d1" providerId="ADAL" clId="{F08A8CCA-9AC2-43BB-9BB6-C7BCBE7B2F35}" dt="2022-12-05T16:07:59.953" v="2"/>
+        <pc:sldMasterMkLst>
+          <pc:docMk/>
+          <pc:sldMasterMk cId="2749703974" sldId="2147483660"/>
+        </pc:sldMasterMkLst>
+        <pc:sldLayoutChg chg="setBg">
+          <pc:chgData name="Madalyn Moulton" userId="122ac439-54d5-40fe-bbb2-efa83f5519d1" providerId="ADAL" clId="{F08A8CCA-9AC2-43BB-9BB6-C7BCBE7B2F35}" dt="2022-12-05T16:07:59.953" v="2"/>
+          <pc:sldLayoutMkLst>
+            <pc:docMk/>
+            <pc:sldMasterMk cId="2749703974" sldId="2147483660"/>
+            <pc:sldLayoutMk cId="4215420778" sldId="2147483661"/>
+          </pc:sldLayoutMkLst>
+        </pc:sldLayoutChg>
+      </pc:sldMasterChg>
+    </pc:docChg>
+  </pc:docChgLst>
+</pc:chgInfo>
+</file>
+
 <file path=ppt/slideLayouts/slideLayout1.xml><?xml version="1.0" encoding="utf-8"?>
-<p:sldLayout xmlns:a="http://schemas.openxmlformats.org/drawingml/2006/main" xmlns:r="http://schemas.openxmlformats.org/officeDocument/2006/relationships" xmlns:p="http://schemas.openxmlformats.org/presentationml/2006/main" type="title" preserve="1">
+<p:sldLayout xmlns:a="http://schemas.openxmlformats.org/drawingml/2006/main" xmlns:r="http://schemas.openxmlformats.org/officeDocument/2006/relationships" xmlns:p="http://schemas.openxmlformats.org/presentationml/2006/main" showMasterSp="0" type="title" preserve="1">
   <p:cSld name="Title Slide">
     <p:spTree>
       <p:nvGrpSpPr>
@@ -133,13 +359,7 @@
       </p:grpSpPr>
       <p:sp>
         <p:nvSpPr>
-          <p:cNvPr id="2" name="Title 1">
-            <a:extLst>
-              <a:ext uri="{FF2B5EF4-FFF2-40B4-BE49-F238E27FC236}">
-                <a16:creationId xmlns:a16="http://schemas.microsoft.com/office/drawing/2014/main" id="{03A3680F-ADE8-3C20-F8E9-4CAAB3EE066D}"/>
-              </a:ext>
-            </a:extLst>
-          </p:cNvPr>
+          <p:cNvPr id="2" name="Title 1"/>
           <p:cNvSpPr>
             <a:spLocks noGrp="1"/>
           </p:cNvSpPr>
@@ -149,15 +369,24 @@
         </p:nvSpPr>
         <p:spPr>
           <a:xfrm>
-            <a:off x="1524000" y="1122363"/>
-            <a:ext cx="9144000" cy="2387600"/>
+            <a:off x="1261872" y="758952"/>
+            <a:ext cx="9418320" cy="4041648"/>
           </a:xfrm>
         </p:spPr>
         <p:txBody>
-          <a:bodyPr anchor="b"/>
+          <a:bodyPr anchor="b">
+            <a:normAutofit/>
+          </a:bodyPr>
           <a:lstStyle>
-            <a:lvl1pPr algn="ctr">
-              <a:defRPr sz="6000"/>
+            <a:lvl1pPr algn="l">
+              <a:lnSpc>
+                <a:spcPct val="85000"/>
+              </a:lnSpc>
+              <a:defRPr sz="7200" baseline="0">
+                <a:solidFill>
+                  <a:schemeClr val="tx1"/>
+                </a:solidFill>
+              </a:defRPr>
             </a:lvl1pPr>
           </a:lstStyle>
           <a:p>
@@ -165,18 +394,13 @@
               <a:rPr lang="en-US"/>
               <a:t>Click to edit Master title style</a:t>
             </a:r>
+            <a:endParaRPr lang="en-US" dirty="0"/>
           </a:p>
         </p:txBody>
       </p:sp>
       <p:sp>
         <p:nvSpPr>
-          <p:cNvPr id="3" name="Subtitle 2">
-            <a:extLst>
-              <a:ext uri="{FF2B5EF4-FFF2-40B4-BE49-F238E27FC236}">
-                <a16:creationId xmlns:a16="http://schemas.microsoft.com/office/drawing/2014/main" id="{9C4D21CF-D3D2-7319-90DB-78822057A07B}"/>
-              </a:ext>
-            </a:extLst>
-          </p:cNvPr>
+          <p:cNvPr id="3" name="Subtitle 2"/>
           <p:cNvSpPr>
             <a:spLocks noGrp="1"/>
           </p:cNvSpPr>
@@ -186,48 +410,56 @@
         </p:nvSpPr>
         <p:spPr>
           <a:xfrm>
-            <a:off x="1524000" y="3602038"/>
-            <a:ext cx="9144000" cy="1655762"/>
+            <a:off x="1261872" y="4800600"/>
+            <a:ext cx="9418320" cy="1691640"/>
           </a:xfrm>
         </p:spPr>
         <p:txBody>
-          <a:bodyPr/>
+          <a:bodyPr>
+            <a:normAutofit/>
+          </a:bodyPr>
           <a:lstStyle>
-            <a:lvl1pPr marL="0" indent="0" algn="ctr">
+            <a:lvl1pPr marL="0" indent="0" algn="l">
               <a:buNone/>
-              <a:defRPr sz="2400"/>
+              <a:defRPr sz="2200" baseline="0">
+                <a:solidFill>
+                  <a:schemeClr val="tx1">
+                    <a:lumMod val="75000"/>
+                  </a:schemeClr>
+                </a:solidFill>
+              </a:defRPr>
             </a:lvl1pPr>
             <a:lvl2pPr marL="457200" indent="0" algn="ctr">
               <a:buNone/>
-              <a:defRPr sz="2000"/>
+              <a:defRPr sz="2200"/>
             </a:lvl2pPr>
             <a:lvl3pPr marL="914400" indent="0" algn="ctr">
               <a:buNone/>
-              <a:defRPr sz="1800"/>
+              <a:defRPr sz="2200"/>
             </a:lvl3pPr>
             <a:lvl4pPr marL="1371600" indent="0" algn="ctr">
               <a:buNone/>
-              <a:defRPr sz="1600"/>
+              <a:defRPr sz="2000"/>
             </a:lvl4pPr>
             <a:lvl5pPr marL="1828800" indent="0" algn="ctr">
               <a:buNone/>
-              <a:defRPr sz="1600"/>
+              <a:defRPr sz="2000"/>
             </a:lvl5pPr>
             <a:lvl6pPr marL="2286000" indent="0" algn="ctr">
               <a:buNone/>
-              <a:defRPr sz="1600"/>
+              <a:defRPr sz="2000"/>
             </a:lvl6pPr>
             <a:lvl7pPr marL="2743200" indent="0" algn="ctr">
               <a:buNone/>
-              <a:defRPr sz="1600"/>
+              <a:defRPr sz="2000"/>
             </a:lvl7pPr>
             <a:lvl8pPr marL="3200400" indent="0" algn="ctr">
               <a:buNone/>
-              <a:defRPr sz="1600"/>
+              <a:defRPr sz="2000"/>
             </a:lvl8pPr>
             <a:lvl9pPr marL="3657600" indent="0" algn="ctr">
               <a:buNone/>
-              <a:defRPr sz="1600"/>
+              <a:defRPr sz="2000"/>
             </a:lvl9pPr>
           </a:lstStyle>
           <a:p>
@@ -235,18 +467,13 @@
               <a:rPr lang="en-US"/>
               <a:t>Click to edit Master subtitle style</a:t>
             </a:r>
+            <a:endParaRPr lang="en-US" dirty="0"/>
           </a:p>
         </p:txBody>
       </p:sp>
       <p:sp>
         <p:nvSpPr>
-          <p:cNvPr id="4" name="Date Placeholder 3">
-            <a:extLst>
-              <a:ext uri="{FF2B5EF4-FFF2-40B4-BE49-F238E27FC236}">
-                <a16:creationId xmlns:a16="http://schemas.microsoft.com/office/drawing/2014/main" id="{F9C7D37A-D24C-CAAC-9B53-55A818C92B87}"/>
-              </a:ext>
-            </a:extLst>
-          </p:cNvPr>
+          <p:cNvPr id="4" name="Date Placeholder 3"/>
           <p:cNvSpPr>
             <a:spLocks noGrp="1"/>
           </p:cNvSpPr>
@@ -257,11 +484,21 @@
         <p:spPr/>
         <p:txBody>
           <a:bodyPr/>
-          <a:lstStyle/>
+          <a:lstStyle>
+            <a:lvl1pPr>
+              <a:defRPr>
+                <a:solidFill>
+                  <a:schemeClr val="tx1">
+                    <a:lumMod val="50000"/>
+                  </a:schemeClr>
+                </a:solidFill>
+              </a:defRPr>
+            </a:lvl1pPr>
+          </a:lstStyle>
           <a:p>
             <a:fld id="{05085C3A-893C-4340-A9D4-E46BF6A407A9}" type="datetimeFigureOut">
               <a:rPr lang="en-US" smtClean="0"/>
-              <a:t>12/4/2022</a:t>
+              <a:t>12/5/2022</a:t>
             </a:fld>
             <a:endParaRPr lang="en-US"/>
           </a:p>
@@ -269,13 +506,7 @@
       </p:sp>
       <p:sp>
         <p:nvSpPr>
-          <p:cNvPr id="5" name="Footer Placeholder 4">
-            <a:extLst>
-              <a:ext uri="{FF2B5EF4-FFF2-40B4-BE49-F238E27FC236}">
-                <a16:creationId xmlns:a16="http://schemas.microsoft.com/office/drawing/2014/main" id="{94C7725A-4728-B6C4-6ABE-DDF3BDB80AF5}"/>
-              </a:ext>
-            </a:extLst>
-          </p:cNvPr>
+          <p:cNvPr id="5" name="Footer Placeholder 4"/>
           <p:cNvSpPr>
             <a:spLocks noGrp="1"/>
           </p:cNvSpPr>
@@ -286,7 +517,17 @@
         <p:spPr/>
         <p:txBody>
           <a:bodyPr/>
-          <a:lstStyle/>
+          <a:lstStyle>
+            <a:lvl1pPr>
+              <a:defRPr>
+                <a:solidFill>
+                  <a:schemeClr val="tx1">
+                    <a:lumMod val="65000"/>
+                  </a:schemeClr>
+                </a:solidFill>
+              </a:defRPr>
+            </a:lvl1pPr>
+          </a:lstStyle>
           <a:p>
             <a:endParaRPr lang="en-US"/>
           </a:p>
@@ -294,13 +535,7 @@
       </p:sp>
       <p:sp>
         <p:nvSpPr>
-          <p:cNvPr id="6" name="Slide Number Placeholder 5">
-            <a:extLst>
-              <a:ext uri="{FF2B5EF4-FFF2-40B4-BE49-F238E27FC236}">
-                <a16:creationId xmlns:a16="http://schemas.microsoft.com/office/drawing/2014/main" id="{D4EC8935-82D6-F5ED-6362-CCD137513218}"/>
-              </a:ext>
-            </a:extLst>
-          </p:cNvPr>
+          <p:cNvPr id="6" name="Slide Number Placeholder 5"/>
           <p:cNvSpPr>
             <a:spLocks noGrp="1"/>
           </p:cNvSpPr>
@@ -311,7 +546,17 @@
         <p:spPr/>
         <p:txBody>
           <a:bodyPr/>
-          <a:lstStyle/>
+          <a:lstStyle>
+            <a:lvl1pPr>
+              <a:defRPr>
+                <a:solidFill>
+                  <a:schemeClr val="tx1">
+                    <a:lumMod val="65000"/>
+                  </a:schemeClr>
+                </a:solidFill>
+              </a:defRPr>
+            </a:lvl1pPr>
+          </a:lstStyle>
           <a:p>
             <a:fld id="{674908FE-6E02-4446-9A5A-E5C80701CBE0}" type="slidenum">
               <a:rPr lang="en-US" smtClean="0"/>
@@ -321,10 +566,48 @@
           </a:p>
         </p:txBody>
       </p:sp>
+      <p:sp>
+        <p:nvSpPr>
+          <p:cNvPr id="7" name="Rectangle 6"/>
+          <p:cNvSpPr/>
+          <p:nvPr/>
+        </p:nvSpPr>
+        <p:spPr>
+          <a:xfrm>
+            <a:off x="0" y="0"/>
+            <a:ext cx="457200" cy="6858000"/>
+          </a:xfrm>
+          <a:prstGeom prst="rect">
+            <a:avLst/>
+          </a:prstGeom>
+          <a:solidFill>
+            <a:schemeClr val="accent1"/>
+          </a:solidFill>
+          <a:ln>
+            <a:noFill/>
+          </a:ln>
+        </p:spPr>
+        <p:style>
+          <a:lnRef idx="2">
+            <a:schemeClr val="accent1">
+              <a:shade val="50000"/>
+            </a:schemeClr>
+          </a:lnRef>
+          <a:fillRef idx="1">
+            <a:schemeClr val="accent1"/>
+          </a:fillRef>
+          <a:effectRef idx="0">
+            <a:schemeClr val="accent1"/>
+          </a:effectRef>
+          <a:fontRef idx="minor">
+            <a:schemeClr val="lt1"/>
+          </a:fontRef>
+        </p:style>
+      </p:sp>
     </p:spTree>
     <p:extLst>
       <p:ext uri="{BB962C8B-B14F-4D97-AF65-F5344CB8AC3E}">
-        <p14:creationId xmlns:p14="http://schemas.microsoft.com/office/powerpoint/2010/main" val="2575373058"/>
+        <p14:creationId xmlns:p14="http://schemas.microsoft.com/office/powerpoint/2010/main" val="4215420778"/>
       </p:ext>
     </p:extLst>
   </p:cSld>
@@ -353,13 +636,7 @@
       </p:grpSpPr>
       <p:sp>
         <p:nvSpPr>
-          <p:cNvPr id="2" name="Title 1">
-            <a:extLst>
-              <a:ext uri="{FF2B5EF4-FFF2-40B4-BE49-F238E27FC236}">
-                <a16:creationId xmlns:a16="http://schemas.microsoft.com/office/drawing/2014/main" id="{AE57ED93-EB3B-2897-517F-0F8417076EB0}"/>
-              </a:ext>
-            </a:extLst>
-          </p:cNvPr>
+          <p:cNvPr id="2" name="Title 1"/>
           <p:cNvSpPr>
             <a:spLocks noGrp="1"/>
           </p:cNvSpPr>
@@ -376,18 +653,13 @@
               <a:rPr lang="en-US"/>
               <a:t>Click to edit Master title style</a:t>
             </a:r>
+            <a:endParaRPr lang="en-US" dirty="0"/>
           </a:p>
         </p:txBody>
       </p:sp>
       <p:sp>
         <p:nvSpPr>
-          <p:cNvPr id="3" name="Vertical Text Placeholder 2">
-            <a:extLst>
-              <a:ext uri="{FF2B5EF4-FFF2-40B4-BE49-F238E27FC236}">
-                <a16:creationId xmlns:a16="http://schemas.microsoft.com/office/drawing/2014/main" id="{3CC3ACBD-68B2-1B18-EEF2-9C3B1BFA276D}"/>
-              </a:ext>
-            </a:extLst>
-          </p:cNvPr>
+          <p:cNvPr id="3" name="Vertical Text Placeholder 2"/>
           <p:cNvSpPr>
             <a:spLocks noGrp="1"/>
           </p:cNvSpPr>
@@ -433,18 +705,13 @@
               <a:rPr lang="en-US"/>
               <a:t>Fifth level</a:t>
             </a:r>
+            <a:endParaRPr lang="en-US" dirty="0"/>
           </a:p>
         </p:txBody>
       </p:sp>
       <p:sp>
         <p:nvSpPr>
-          <p:cNvPr id="4" name="Date Placeholder 3">
-            <a:extLst>
-              <a:ext uri="{FF2B5EF4-FFF2-40B4-BE49-F238E27FC236}">
-                <a16:creationId xmlns:a16="http://schemas.microsoft.com/office/drawing/2014/main" id="{BFC5AFA0-47EE-9B91-AE7E-A5F603A68A8D}"/>
-              </a:ext>
-            </a:extLst>
-          </p:cNvPr>
+          <p:cNvPr id="4" name="Date Placeholder 3"/>
           <p:cNvSpPr>
             <a:spLocks noGrp="1"/>
           </p:cNvSpPr>
@@ -459,7 +726,7 @@
           <a:p>
             <a:fld id="{05085C3A-893C-4340-A9D4-E46BF6A407A9}" type="datetimeFigureOut">
               <a:rPr lang="en-US" smtClean="0"/>
-              <a:t>12/4/2022</a:t>
+              <a:t>12/5/2022</a:t>
             </a:fld>
             <a:endParaRPr lang="en-US"/>
           </a:p>
@@ -467,13 +734,7 @@
       </p:sp>
       <p:sp>
         <p:nvSpPr>
-          <p:cNvPr id="5" name="Footer Placeholder 4">
-            <a:extLst>
-              <a:ext uri="{FF2B5EF4-FFF2-40B4-BE49-F238E27FC236}">
-                <a16:creationId xmlns:a16="http://schemas.microsoft.com/office/drawing/2014/main" id="{D50DB3BD-3BBE-C280-2923-8AC57B790C36}"/>
-              </a:ext>
-            </a:extLst>
-          </p:cNvPr>
+          <p:cNvPr id="5" name="Footer Placeholder 4"/>
           <p:cNvSpPr>
             <a:spLocks noGrp="1"/>
           </p:cNvSpPr>
@@ -492,13 +753,7 @@
       </p:sp>
       <p:sp>
         <p:nvSpPr>
-          <p:cNvPr id="6" name="Slide Number Placeholder 5">
-            <a:extLst>
-              <a:ext uri="{FF2B5EF4-FFF2-40B4-BE49-F238E27FC236}">
-                <a16:creationId xmlns:a16="http://schemas.microsoft.com/office/drawing/2014/main" id="{B7E893BB-46D4-19A3-8A15-A5F7989F4187}"/>
-              </a:ext>
-            </a:extLst>
-          </p:cNvPr>
+          <p:cNvPr id="6" name="Slide Number Placeholder 5"/>
           <p:cNvSpPr>
             <a:spLocks noGrp="1"/>
           </p:cNvSpPr>
@@ -522,7 +777,7 @@
     </p:spTree>
     <p:extLst>
       <p:ext uri="{BB962C8B-B14F-4D97-AF65-F5344CB8AC3E}">
-        <p14:creationId xmlns:p14="http://schemas.microsoft.com/office/powerpoint/2010/main" val="1121398324"/>
+        <p14:creationId xmlns:p14="http://schemas.microsoft.com/office/powerpoint/2010/main" val="4129306839"/>
       </p:ext>
     </p:extLst>
   </p:cSld>
@@ -551,13 +806,7 @@
       </p:grpSpPr>
       <p:sp>
         <p:nvSpPr>
-          <p:cNvPr id="2" name="Vertical Title 1">
-            <a:extLst>
-              <a:ext uri="{FF2B5EF4-FFF2-40B4-BE49-F238E27FC236}">
-                <a16:creationId xmlns:a16="http://schemas.microsoft.com/office/drawing/2014/main" id="{6BB9BFEA-D6E3-3E73-8979-15166C2F5D6A}"/>
-              </a:ext>
-            </a:extLst>
-          </p:cNvPr>
+          <p:cNvPr id="2" name="Vertical Title 1"/>
           <p:cNvSpPr>
             <a:spLocks noGrp="1"/>
           </p:cNvSpPr>
@@ -567,8 +816,8 @@
         </p:nvSpPr>
         <p:spPr>
           <a:xfrm>
-            <a:off x="8724900" y="365125"/>
-            <a:ext cx="2628900" cy="5811838"/>
+            <a:off x="8648700" y="381000"/>
+            <a:ext cx="2476500" cy="5897562"/>
           </a:xfrm>
         </p:spPr>
         <p:txBody>
@@ -579,18 +828,13 @@
               <a:rPr lang="en-US"/>
               <a:t>Click to edit Master title style</a:t>
             </a:r>
+            <a:endParaRPr lang="en-US" dirty="0"/>
           </a:p>
         </p:txBody>
       </p:sp>
       <p:sp>
         <p:nvSpPr>
-          <p:cNvPr id="3" name="Vertical Text Placeholder 2">
-            <a:extLst>
-              <a:ext uri="{FF2B5EF4-FFF2-40B4-BE49-F238E27FC236}">
-                <a16:creationId xmlns:a16="http://schemas.microsoft.com/office/drawing/2014/main" id="{23434A9F-F428-FC71-4063-98D3E0ABF6BB}"/>
-              </a:ext>
-            </a:extLst>
-          </p:cNvPr>
+          <p:cNvPr id="3" name="Vertical Text Placeholder 2"/>
           <p:cNvSpPr>
             <a:spLocks noGrp="1"/>
           </p:cNvSpPr>
@@ -600,8 +844,8 @@
         </p:nvSpPr>
         <p:spPr>
           <a:xfrm>
-            <a:off x="838200" y="365125"/>
-            <a:ext cx="7734300" cy="5811838"/>
+            <a:off x="762000" y="381000"/>
+            <a:ext cx="7734300" cy="5897562"/>
           </a:xfrm>
         </p:spPr>
         <p:txBody>
@@ -641,18 +885,13 @@
               <a:rPr lang="en-US"/>
               <a:t>Fifth level</a:t>
             </a:r>
+            <a:endParaRPr lang="en-US" dirty="0"/>
           </a:p>
         </p:txBody>
       </p:sp>
       <p:sp>
         <p:nvSpPr>
-          <p:cNvPr id="4" name="Date Placeholder 3">
-            <a:extLst>
-              <a:ext uri="{FF2B5EF4-FFF2-40B4-BE49-F238E27FC236}">
-                <a16:creationId xmlns:a16="http://schemas.microsoft.com/office/drawing/2014/main" id="{4794725B-5DFB-D885-8EE1-729AF89B176B}"/>
-              </a:ext>
-            </a:extLst>
-          </p:cNvPr>
+          <p:cNvPr id="4" name="Date Placeholder 3"/>
           <p:cNvSpPr>
             <a:spLocks noGrp="1"/>
           </p:cNvSpPr>
@@ -667,7 +906,7 @@
           <a:p>
             <a:fld id="{05085C3A-893C-4340-A9D4-E46BF6A407A9}" type="datetimeFigureOut">
               <a:rPr lang="en-US" smtClean="0"/>
-              <a:t>12/4/2022</a:t>
+              <a:t>12/5/2022</a:t>
             </a:fld>
             <a:endParaRPr lang="en-US"/>
           </a:p>
@@ -675,13 +914,7 @@
       </p:sp>
       <p:sp>
         <p:nvSpPr>
-          <p:cNvPr id="5" name="Footer Placeholder 4">
-            <a:extLst>
-              <a:ext uri="{FF2B5EF4-FFF2-40B4-BE49-F238E27FC236}">
-                <a16:creationId xmlns:a16="http://schemas.microsoft.com/office/drawing/2014/main" id="{B67AB5A3-E4F0-CFC2-8830-7F52FB357754}"/>
-              </a:ext>
-            </a:extLst>
-          </p:cNvPr>
+          <p:cNvPr id="5" name="Footer Placeholder 4"/>
           <p:cNvSpPr>
             <a:spLocks noGrp="1"/>
           </p:cNvSpPr>
@@ -700,13 +933,7 @@
       </p:sp>
       <p:sp>
         <p:nvSpPr>
-          <p:cNvPr id="6" name="Slide Number Placeholder 5">
-            <a:extLst>
-              <a:ext uri="{FF2B5EF4-FFF2-40B4-BE49-F238E27FC236}">
-                <a16:creationId xmlns:a16="http://schemas.microsoft.com/office/drawing/2014/main" id="{1C83FD21-C30A-140E-26E8-1A3AE6B62DC2}"/>
-              </a:ext>
-            </a:extLst>
-          </p:cNvPr>
+          <p:cNvPr id="6" name="Slide Number Placeholder 5"/>
           <p:cNvSpPr>
             <a:spLocks noGrp="1"/>
           </p:cNvSpPr>
@@ -730,7 +957,7 @@
     </p:spTree>
     <p:extLst>
       <p:ext uri="{BB962C8B-B14F-4D97-AF65-F5344CB8AC3E}">
-        <p14:creationId xmlns:p14="http://schemas.microsoft.com/office/powerpoint/2010/main" val="866681434"/>
+        <p14:creationId xmlns:p14="http://schemas.microsoft.com/office/powerpoint/2010/main" val="1417816201"/>
       </p:ext>
     </p:extLst>
   </p:cSld>
@@ -759,13 +986,7 @@
       </p:grpSpPr>
       <p:sp>
         <p:nvSpPr>
-          <p:cNvPr id="2" name="Title 1">
-            <a:extLst>
-              <a:ext uri="{FF2B5EF4-FFF2-40B4-BE49-F238E27FC236}">
-                <a16:creationId xmlns:a16="http://schemas.microsoft.com/office/drawing/2014/main" id="{9E769EF6-4568-1E1A-46E9-266953BDCD04}"/>
-              </a:ext>
-            </a:extLst>
-          </p:cNvPr>
+          <p:cNvPr id="2" name="Title 1"/>
           <p:cNvSpPr>
             <a:spLocks noGrp="1"/>
           </p:cNvSpPr>
@@ -782,18 +1003,13 @@
               <a:rPr lang="en-US"/>
               <a:t>Click to edit Master title style</a:t>
             </a:r>
+            <a:endParaRPr lang="en-US" dirty="0"/>
           </a:p>
         </p:txBody>
       </p:sp>
       <p:sp>
         <p:nvSpPr>
-          <p:cNvPr id="3" name="Content Placeholder 2">
-            <a:extLst>
-              <a:ext uri="{FF2B5EF4-FFF2-40B4-BE49-F238E27FC236}">
-                <a16:creationId xmlns:a16="http://schemas.microsoft.com/office/drawing/2014/main" id="{BA5FACC2-1663-6763-4AEA-C8683E7FD94F}"/>
-              </a:ext>
-            </a:extLst>
-          </p:cNvPr>
+          <p:cNvPr id="3" name="Content Placeholder 2"/>
           <p:cNvSpPr>
             <a:spLocks noGrp="1"/>
           </p:cNvSpPr>
@@ -839,18 +1055,13 @@
               <a:rPr lang="en-US"/>
               <a:t>Fifth level</a:t>
             </a:r>
+            <a:endParaRPr lang="en-US" dirty="0"/>
           </a:p>
         </p:txBody>
       </p:sp>
       <p:sp>
         <p:nvSpPr>
-          <p:cNvPr id="4" name="Date Placeholder 3">
-            <a:extLst>
-              <a:ext uri="{FF2B5EF4-FFF2-40B4-BE49-F238E27FC236}">
-                <a16:creationId xmlns:a16="http://schemas.microsoft.com/office/drawing/2014/main" id="{D843C272-D46F-5990-7973-A7810E1E9964}"/>
-              </a:ext>
-            </a:extLst>
-          </p:cNvPr>
+          <p:cNvPr id="4" name="Date Placeholder 3"/>
           <p:cNvSpPr>
             <a:spLocks noGrp="1"/>
           </p:cNvSpPr>
@@ -865,7 +1076,7 @@
           <a:p>
             <a:fld id="{05085C3A-893C-4340-A9D4-E46BF6A407A9}" type="datetimeFigureOut">
               <a:rPr lang="en-US" smtClean="0"/>
-              <a:t>12/4/2022</a:t>
+              <a:t>12/5/2022</a:t>
             </a:fld>
             <a:endParaRPr lang="en-US"/>
           </a:p>
@@ -873,13 +1084,7 @@
       </p:sp>
       <p:sp>
         <p:nvSpPr>
-          <p:cNvPr id="5" name="Footer Placeholder 4">
-            <a:extLst>
-              <a:ext uri="{FF2B5EF4-FFF2-40B4-BE49-F238E27FC236}">
-                <a16:creationId xmlns:a16="http://schemas.microsoft.com/office/drawing/2014/main" id="{9C8E5A52-B039-4E07-00F3-E9E08945655B}"/>
-              </a:ext>
-            </a:extLst>
-          </p:cNvPr>
+          <p:cNvPr id="5" name="Footer Placeholder 4"/>
           <p:cNvSpPr>
             <a:spLocks noGrp="1"/>
           </p:cNvSpPr>
@@ -898,13 +1103,7 @@
       </p:sp>
       <p:sp>
         <p:nvSpPr>
-          <p:cNvPr id="6" name="Slide Number Placeholder 5">
-            <a:extLst>
-              <a:ext uri="{FF2B5EF4-FFF2-40B4-BE49-F238E27FC236}">
-                <a16:creationId xmlns:a16="http://schemas.microsoft.com/office/drawing/2014/main" id="{7D909039-EDE5-3654-F62B-56C8262E39FD}"/>
-              </a:ext>
-            </a:extLst>
-          </p:cNvPr>
+          <p:cNvPr id="6" name="Slide Number Placeholder 5"/>
           <p:cNvSpPr>
             <a:spLocks noGrp="1"/>
           </p:cNvSpPr>
@@ -928,7 +1127,7 @@
     </p:spTree>
     <p:extLst>
       <p:ext uri="{BB962C8B-B14F-4D97-AF65-F5344CB8AC3E}">
-        <p14:creationId xmlns:p14="http://schemas.microsoft.com/office/powerpoint/2010/main" val="2749200401"/>
+        <p14:creationId xmlns:p14="http://schemas.microsoft.com/office/powerpoint/2010/main" val="1684448608"/>
       </p:ext>
     </p:extLst>
   </p:cSld>
@@ -957,13 +1156,7 @@
       </p:grpSpPr>
       <p:sp>
         <p:nvSpPr>
-          <p:cNvPr id="2" name="Title 1">
-            <a:extLst>
-              <a:ext uri="{FF2B5EF4-FFF2-40B4-BE49-F238E27FC236}">
-                <a16:creationId xmlns:a16="http://schemas.microsoft.com/office/drawing/2014/main" id="{9FC1A5B3-55BF-BE9D-8735-E8E12C52C778}"/>
-              </a:ext>
-            </a:extLst>
-          </p:cNvPr>
+          <p:cNvPr id="2" name="Title 1"/>
           <p:cNvSpPr>
             <a:spLocks noGrp="1"/>
           </p:cNvSpPr>
@@ -973,15 +1166,20 @@
         </p:nvSpPr>
         <p:spPr>
           <a:xfrm>
-            <a:off x="831850" y="1709738"/>
-            <a:ext cx="10515600" cy="2852737"/>
+            <a:off x="1261872" y="758952"/>
+            <a:ext cx="9418320" cy="4041648"/>
           </a:xfrm>
         </p:spPr>
         <p:txBody>
-          <a:bodyPr anchor="b"/>
+          <a:bodyPr anchor="b">
+            <a:normAutofit/>
+          </a:bodyPr>
           <a:lstStyle>
             <a:lvl1pPr>
-              <a:defRPr sz="6000"/>
+              <a:lnSpc>
+                <a:spcPct val="85000"/>
+              </a:lnSpc>
+              <a:defRPr sz="7200" b="0"/>
             </a:lvl1pPr>
           </a:lstStyle>
           <a:p>
@@ -989,18 +1187,13 @@
               <a:rPr lang="en-US"/>
               <a:t>Click to edit Master title style</a:t>
             </a:r>
+            <a:endParaRPr lang="en-US" dirty="0"/>
           </a:p>
         </p:txBody>
       </p:sp>
       <p:sp>
         <p:nvSpPr>
-          <p:cNvPr id="3" name="Text Placeholder 2">
-            <a:extLst>
-              <a:ext uri="{FF2B5EF4-FFF2-40B4-BE49-F238E27FC236}">
-                <a16:creationId xmlns:a16="http://schemas.microsoft.com/office/drawing/2014/main" id="{70BCA718-E706-9E8A-3DC1-69F34C9D4CBA}"/>
-              </a:ext>
-            </a:extLst>
-          </p:cNvPr>
+          <p:cNvPr id="3" name="Text Placeholder 2"/>
           <p:cNvSpPr>
             <a:spLocks noGrp="1"/>
           </p:cNvSpPr>
@@ -1010,26 +1203,29 @@
         </p:nvSpPr>
         <p:spPr>
           <a:xfrm>
-            <a:off x="831850" y="4589463"/>
-            <a:ext cx="10515600" cy="1500187"/>
+            <a:off x="1261872" y="4800600"/>
+            <a:ext cx="9418320" cy="1691640"/>
           </a:xfrm>
         </p:spPr>
         <p:txBody>
-          <a:bodyPr/>
+          <a:bodyPr anchor="t">
+            <a:normAutofit/>
+          </a:bodyPr>
           <a:lstStyle>
             <a:lvl1pPr marL="0" indent="0">
               <a:buNone/>
-              <a:defRPr sz="2400">
+              <a:defRPr sz="2200">
                 <a:solidFill>
                   <a:schemeClr val="tx1">
-                    <a:tint val="75000"/>
+                    <a:lumMod val="65000"/>
+                    <a:lumOff val="35000"/>
                   </a:schemeClr>
                 </a:solidFill>
               </a:defRPr>
             </a:lvl1pPr>
             <a:lvl2pPr marL="457200" indent="0">
               <a:buNone/>
-              <a:defRPr sz="2000">
+              <a:defRPr sz="1800">
                 <a:solidFill>
                   <a:schemeClr val="tx1">
                     <a:tint val="75000"/>
@@ -1039,7 +1235,7 @@
             </a:lvl2pPr>
             <a:lvl3pPr marL="914400" indent="0">
               <a:buNone/>
-              <a:defRPr sz="1800">
+              <a:defRPr sz="1600">
                 <a:solidFill>
                   <a:schemeClr val="tx1">
                     <a:tint val="75000"/>
@@ -1049,7 +1245,7 @@
             </a:lvl3pPr>
             <a:lvl4pPr marL="1371600" indent="0">
               <a:buNone/>
-              <a:defRPr sz="1600">
+              <a:defRPr sz="1400">
                 <a:solidFill>
                   <a:schemeClr val="tx1">
                     <a:tint val="75000"/>
@@ -1059,7 +1255,7 @@
             </a:lvl4pPr>
             <a:lvl5pPr marL="1828800" indent="0">
               <a:buNone/>
-              <a:defRPr sz="1600">
+              <a:defRPr sz="1400">
                 <a:solidFill>
                   <a:schemeClr val="tx1">
                     <a:tint val="75000"/>
@@ -1069,7 +1265,7 @@
             </a:lvl5pPr>
             <a:lvl6pPr marL="2286000" indent="0">
               <a:buNone/>
-              <a:defRPr sz="1600">
+              <a:defRPr sz="1400">
                 <a:solidFill>
                   <a:schemeClr val="tx1">
                     <a:tint val="75000"/>
@@ -1079,7 +1275,7 @@
             </a:lvl6pPr>
             <a:lvl7pPr marL="2743200" indent="0">
               <a:buNone/>
-              <a:defRPr sz="1600">
+              <a:defRPr sz="1400">
                 <a:solidFill>
                   <a:schemeClr val="tx1">
                     <a:tint val="75000"/>
@@ -1089,7 +1285,7 @@
             </a:lvl7pPr>
             <a:lvl8pPr marL="3200400" indent="0">
               <a:buNone/>
-              <a:defRPr sz="1600">
+              <a:defRPr sz="1400">
                 <a:solidFill>
                   <a:schemeClr val="tx1">
                     <a:tint val="75000"/>
@@ -1099,7 +1295,7 @@
             </a:lvl8pPr>
             <a:lvl9pPr marL="3657600" indent="0">
               <a:buNone/>
-              <a:defRPr sz="1600">
+              <a:defRPr sz="1400">
                 <a:solidFill>
                   <a:schemeClr val="tx1">
                     <a:tint val="75000"/>
@@ -1119,13 +1315,7 @@
       </p:sp>
       <p:sp>
         <p:nvSpPr>
-          <p:cNvPr id="4" name="Date Placeholder 3">
-            <a:extLst>
-              <a:ext uri="{FF2B5EF4-FFF2-40B4-BE49-F238E27FC236}">
-                <a16:creationId xmlns:a16="http://schemas.microsoft.com/office/drawing/2014/main" id="{CCEB647B-A575-8973-5848-AE1EAE9F7F35}"/>
-              </a:ext>
-            </a:extLst>
-          </p:cNvPr>
+          <p:cNvPr id="4" name="Date Placeholder 3"/>
           <p:cNvSpPr>
             <a:spLocks noGrp="1"/>
           </p:cNvSpPr>
@@ -1140,7 +1330,7 @@
           <a:p>
             <a:fld id="{05085C3A-893C-4340-A9D4-E46BF6A407A9}" type="datetimeFigureOut">
               <a:rPr lang="en-US" smtClean="0"/>
-              <a:t>12/4/2022</a:t>
+              <a:t>12/5/2022</a:t>
             </a:fld>
             <a:endParaRPr lang="en-US"/>
           </a:p>
@@ -1148,13 +1338,7 @@
       </p:sp>
       <p:sp>
         <p:nvSpPr>
-          <p:cNvPr id="5" name="Footer Placeholder 4">
-            <a:extLst>
-              <a:ext uri="{FF2B5EF4-FFF2-40B4-BE49-F238E27FC236}">
-                <a16:creationId xmlns:a16="http://schemas.microsoft.com/office/drawing/2014/main" id="{37E07D92-86B3-DE31-9318-49382434704F}"/>
-              </a:ext>
-            </a:extLst>
-          </p:cNvPr>
+          <p:cNvPr id="5" name="Footer Placeholder 4"/>
           <p:cNvSpPr>
             <a:spLocks noGrp="1"/>
           </p:cNvSpPr>
@@ -1173,13 +1357,7 @@
       </p:sp>
       <p:sp>
         <p:nvSpPr>
-          <p:cNvPr id="6" name="Slide Number Placeholder 5">
-            <a:extLst>
-              <a:ext uri="{FF2B5EF4-FFF2-40B4-BE49-F238E27FC236}">
-                <a16:creationId xmlns:a16="http://schemas.microsoft.com/office/drawing/2014/main" id="{3AC385BC-C2C0-07CA-2887-7BDFBB951DDF}"/>
-              </a:ext>
-            </a:extLst>
-          </p:cNvPr>
+          <p:cNvPr id="6" name="Slide Number Placeholder 5"/>
           <p:cNvSpPr>
             <a:spLocks noGrp="1"/>
           </p:cNvSpPr>
@@ -1200,10 +1378,48 @@
           </a:p>
         </p:txBody>
       </p:sp>
+      <p:sp>
+        <p:nvSpPr>
+          <p:cNvPr id="7" name="Rectangle 6"/>
+          <p:cNvSpPr/>
+          <p:nvPr/>
+        </p:nvSpPr>
+        <p:spPr>
+          <a:xfrm>
+            <a:off x="0" y="0"/>
+            <a:ext cx="457200" cy="6858000"/>
+          </a:xfrm>
+          <a:prstGeom prst="rect">
+            <a:avLst/>
+          </a:prstGeom>
+          <a:solidFill>
+            <a:schemeClr val="accent1"/>
+          </a:solidFill>
+          <a:ln>
+            <a:noFill/>
+          </a:ln>
+        </p:spPr>
+        <p:style>
+          <a:lnRef idx="2">
+            <a:schemeClr val="accent1">
+              <a:shade val="50000"/>
+            </a:schemeClr>
+          </a:lnRef>
+          <a:fillRef idx="1">
+            <a:schemeClr val="accent1"/>
+          </a:fillRef>
+          <a:effectRef idx="0">
+            <a:schemeClr val="accent1"/>
+          </a:effectRef>
+          <a:fontRef idx="minor">
+            <a:schemeClr val="lt1"/>
+          </a:fontRef>
+        </p:style>
+      </p:sp>
     </p:spTree>
     <p:extLst>
       <p:ext uri="{BB962C8B-B14F-4D97-AF65-F5344CB8AC3E}">
-        <p14:creationId xmlns:p14="http://schemas.microsoft.com/office/powerpoint/2010/main" val="2622311377"/>
+        <p14:creationId xmlns:p14="http://schemas.microsoft.com/office/powerpoint/2010/main" val="3177341122"/>
       </p:ext>
     </p:extLst>
   </p:cSld>
@@ -1232,13 +1448,7 @@
       </p:grpSpPr>
       <p:sp>
         <p:nvSpPr>
-          <p:cNvPr id="2" name="Title 1">
-            <a:extLst>
-              <a:ext uri="{FF2B5EF4-FFF2-40B4-BE49-F238E27FC236}">
-                <a16:creationId xmlns:a16="http://schemas.microsoft.com/office/drawing/2014/main" id="{D3C32969-DED9-8E2C-378F-3F2AFC259AAF}"/>
-              </a:ext>
-            </a:extLst>
-          </p:cNvPr>
+          <p:cNvPr id="2" name="Title 1"/>
           <p:cNvSpPr>
             <a:spLocks noGrp="1"/>
           </p:cNvSpPr>
@@ -1255,18 +1465,13 @@
               <a:rPr lang="en-US"/>
               <a:t>Click to edit Master title style</a:t>
             </a:r>
+            <a:endParaRPr lang="en-US" dirty="0"/>
           </a:p>
         </p:txBody>
       </p:sp>
       <p:sp>
         <p:nvSpPr>
-          <p:cNvPr id="3" name="Content Placeholder 2">
-            <a:extLst>
-              <a:ext uri="{FF2B5EF4-FFF2-40B4-BE49-F238E27FC236}">
-                <a16:creationId xmlns:a16="http://schemas.microsoft.com/office/drawing/2014/main" id="{B50E25F8-3A65-4519-04EA-BA1B7C960637}"/>
-              </a:ext>
-            </a:extLst>
-          </p:cNvPr>
+          <p:cNvPr id="3" name="Content Placeholder 2"/>
           <p:cNvSpPr>
             <a:spLocks noGrp="1"/>
           </p:cNvSpPr>
@@ -1276,13 +1481,41 @@
         </p:nvSpPr>
         <p:spPr>
           <a:xfrm>
-            <a:off x="838200" y="1825625"/>
-            <a:ext cx="5181600" cy="4351338"/>
+            <a:off x="1261872" y="1828800"/>
+            <a:ext cx="4480560" cy="4351337"/>
           </a:xfrm>
         </p:spPr>
         <p:txBody>
           <a:bodyPr/>
-          <a:lstStyle/>
+          <a:lstStyle>
+            <a:lvl1pPr>
+              <a:defRPr sz="1800"/>
+            </a:lvl1pPr>
+            <a:lvl2pPr>
+              <a:defRPr sz="1600"/>
+            </a:lvl2pPr>
+            <a:lvl3pPr>
+              <a:defRPr sz="1400"/>
+            </a:lvl3pPr>
+            <a:lvl4pPr>
+              <a:defRPr sz="1400"/>
+            </a:lvl4pPr>
+            <a:lvl5pPr>
+              <a:defRPr sz="1400"/>
+            </a:lvl5pPr>
+            <a:lvl6pPr>
+              <a:defRPr sz="1400"/>
+            </a:lvl6pPr>
+            <a:lvl7pPr>
+              <a:defRPr sz="1400"/>
+            </a:lvl7pPr>
+            <a:lvl8pPr>
+              <a:defRPr sz="1400"/>
+            </a:lvl8pPr>
+            <a:lvl9pPr>
+              <a:defRPr sz="1400"/>
+            </a:lvl9pPr>
+          </a:lstStyle>
           <a:p>
             <a:pPr lvl="0"/>
             <a:r>
@@ -1317,18 +1550,13 @@
               <a:rPr lang="en-US"/>
               <a:t>Fifth level</a:t>
             </a:r>
+            <a:endParaRPr lang="en-US" dirty="0"/>
           </a:p>
         </p:txBody>
       </p:sp>
       <p:sp>
         <p:nvSpPr>
-          <p:cNvPr id="4" name="Content Placeholder 3">
-            <a:extLst>
-              <a:ext uri="{FF2B5EF4-FFF2-40B4-BE49-F238E27FC236}">
-                <a16:creationId xmlns:a16="http://schemas.microsoft.com/office/drawing/2014/main" id="{D4221E77-837B-5BF5-9A8F-830CE3049038}"/>
-              </a:ext>
-            </a:extLst>
-          </p:cNvPr>
+          <p:cNvPr id="4" name="Content Placeholder 3"/>
           <p:cNvSpPr>
             <a:spLocks noGrp="1"/>
           </p:cNvSpPr>
@@ -1338,13 +1566,41 @@
         </p:nvSpPr>
         <p:spPr>
           <a:xfrm>
-            <a:off x="6172200" y="1825625"/>
-            <a:ext cx="5181600" cy="4351338"/>
+            <a:off x="6126480" y="1828800"/>
+            <a:ext cx="4480560" cy="4351337"/>
           </a:xfrm>
         </p:spPr>
         <p:txBody>
           <a:bodyPr/>
-          <a:lstStyle/>
+          <a:lstStyle>
+            <a:lvl1pPr>
+              <a:defRPr sz="1800"/>
+            </a:lvl1pPr>
+            <a:lvl2pPr>
+              <a:defRPr sz="1600"/>
+            </a:lvl2pPr>
+            <a:lvl3pPr>
+              <a:defRPr sz="1400"/>
+            </a:lvl3pPr>
+            <a:lvl4pPr>
+              <a:defRPr sz="1400"/>
+            </a:lvl4pPr>
+            <a:lvl5pPr>
+              <a:defRPr sz="1400"/>
+            </a:lvl5pPr>
+            <a:lvl6pPr>
+              <a:defRPr sz="1400"/>
+            </a:lvl6pPr>
+            <a:lvl7pPr>
+              <a:defRPr sz="1400"/>
+            </a:lvl7pPr>
+            <a:lvl8pPr>
+              <a:defRPr sz="1400"/>
+            </a:lvl8pPr>
+            <a:lvl9pPr>
+              <a:defRPr sz="1400"/>
+            </a:lvl9pPr>
+          </a:lstStyle>
           <a:p>
             <a:pPr lvl="0"/>
             <a:r>
@@ -1379,18 +1635,13 @@
               <a:rPr lang="en-US"/>
               <a:t>Fifth level</a:t>
             </a:r>
+            <a:endParaRPr lang="en-US" dirty="0"/>
           </a:p>
         </p:txBody>
       </p:sp>
       <p:sp>
         <p:nvSpPr>
-          <p:cNvPr id="5" name="Date Placeholder 4">
-            <a:extLst>
-              <a:ext uri="{FF2B5EF4-FFF2-40B4-BE49-F238E27FC236}">
-                <a16:creationId xmlns:a16="http://schemas.microsoft.com/office/drawing/2014/main" id="{525596D3-75A7-4C14-F78C-BEFC6CFA4834}"/>
-              </a:ext>
-            </a:extLst>
-          </p:cNvPr>
+          <p:cNvPr id="5" name="Date Placeholder 4"/>
           <p:cNvSpPr>
             <a:spLocks noGrp="1"/>
           </p:cNvSpPr>
@@ -1405,7 +1656,7 @@
           <a:p>
             <a:fld id="{05085C3A-893C-4340-A9D4-E46BF6A407A9}" type="datetimeFigureOut">
               <a:rPr lang="en-US" smtClean="0"/>
-              <a:t>12/4/2022</a:t>
+              <a:t>12/5/2022</a:t>
             </a:fld>
             <a:endParaRPr lang="en-US"/>
           </a:p>
@@ -1413,13 +1664,7 @@
       </p:sp>
       <p:sp>
         <p:nvSpPr>
-          <p:cNvPr id="6" name="Footer Placeholder 5">
-            <a:extLst>
-              <a:ext uri="{FF2B5EF4-FFF2-40B4-BE49-F238E27FC236}">
-                <a16:creationId xmlns:a16="http://schemas.microsoft.com/office/drawing/2014/main" id="{A23B1308-689F-394F-0403-CAD3765E4BF9}"/>
-              </a:ext>
-            </a:extLst>
-          </p:cNvPr>
+          <p:cNvPr id="6" name="Footer Placeholder 5"/>
           <p:cNvSpPr>
             <a:spLocks noGrp="1"/>
           </p:cNvSpPr>
@@ -1438,13 +1683,7 @@
       </p:sp>
       <p:sp>
         <p:nvSpPr>
-          <p:cNvPr id="7" name="Slide Number Placeholder 6">
-            <a:extLst>
-              <a:ext uri="{FF2B5EF4-FFF2-40B4-BE49-F238E27FC236}">
-                <a16:creationId xmlns:a16="http://schemas.microsoft.com/office/drawing/2014/main" id="{D1053D05-AFF8-2E99-CD24-7A6B5D260A0A}"/>
-              </a:ext>
-            </a:extLst>
-          </p:cNvPr>
+          <p:cNvPr id="7" name="Slide Number Placeholder 6"/>
           <p:cNvSpPr>
             <a:spLocks noGrp="1"/>
           </p:cNvSpPr>
@@ -1468,7 +1707,7 @@
     </p:spTree>
     <p:extLst>
       <p:ext uri="{BB962C8B-B14F-4D97-AF65-F5344CB8AC3E}">
-        <p14:creationId xmlns:p14="http://schemas.microsoft.com/office/powerpoint/2010/main" val="3688426096"/>
+        <p14:creationId xmlns:p14="http://schemas.microsoft.com/office/powerpoint/2010/main" val="3966676699"/>
       </p:ext>
     </p:extLst>
   </p:cSld>
@@ -1497,13 +1736,7 @@
       </p:grpSpPr>
       <p:sp>
         <p:nvSpPr>
-          <p:cNvPr id="2" name="Title 1">
-            <a:extLst>
-              <a:ext uri="{FF2B5EF4-FFF2-40B4-BE49-F238E27FC236}">
-                <a16:creationId xmlns:a16="http://schemas.microsoft.com/office/drawing/2014/main" id="{629CC7A8-F255-D803-8B44-8B461CFD1CFA}"/>
-              </a:ext>
-            </a:extLst>
-          </p:cNvPr>
+          <p:cNvPr id="10" name="Title 9"/>
           <p:cNvSpPr>
             <a:spLocks noGrp="1"/>
           </p:cNvSpPr>
@@ -1511,12 +1744,7 @@
             <p:ph type="title"/>
           </p:nvPr>
         </p:nvSpPr>
-        <p:spPr>
-          <a:xfrm>
-            <a:off x="839788" y="365125"/>
-            <a:ext cx="10515600" cy="1325563"/>
-          </a:xfrm>
-        </p:spPr>
+        <p:spPr/>
         <p:txBody>
           <a:bodyPr/>
           <a:lstStyle/>
@@ -1525,18 +1753,13 @@
               <a:rPr lang="en-US"/>
               <a:t>Click to edit Master title style</a:t>
             </a:r>
+            <a:endParaRPr lang="en-US" dirty="0"/>
           </a:p>
         </p:txBody>
       </p:sp>
       <p:sp>
         <p:nvSpPr>
-          <p:cNvPr id="3" name="Text Placeholder 2">
-            <a:extLst>
-              <a:ext uri="{FF2B5EF4-FFF2-40B4-BE49-F238E27FC236}">
-                <a16:creationId xmlns:a16="http://schemas.microsoft.com/office/drawing/2014/main" id="{184D28D9-228A-107C-6FC7-175B3A725756}"/>
-              </a:ext>
-            </a:extLst>
-          </p:cNvPr>
+          <p:cNvPr id="3" name="Text Placeholder 2"/>
           <p:cNvSpPr>
             <a:spLocks noGrp="1"/>
           </p:cNvSpPr>
@@ -1546,16 +1769,25 @@
         </p:nvSpPr>
         <p:spPr>
           <a:xfrm>
-            <a:off x="839788" y="1681163"/>
-            <a:ext cx="5157787" cy="823912"/>
+            <a:off x="1261872" y="1713655"/>
+            <a:ext cx="4480560" cy="731520"/>
           </a:xfrm>
         </p:spPr>
         <p:txBody>
-          <a:bodyPr anchor="b"/>
+          <a:bodyPr anchor="b">
+            <a:normAutofit/>
+          </a:bodyPr>
           <a:lstStyle>
             <a:lvl1pPr marL="0" indent="0">
+              <a:spcBef>
+                <a:spcPts val="0"/>
+              </a:spcBef>
               <a:buNone/>
-              <a:defRPr sz="2400" b="1"/>
+              <a:defRPr sz="2000" b="0">
+                <a:solidFill>
+                  <a:schemeClr val="tx2"/>
+                </a:solidFill>
+              </a:defRPr>
             </a:lvl1pPr>
             <a:lvl2pPr marL="457200" indent="0">
               <a:buNone/>
@@ -1601,13 +1833,7 @@
       </p:sp>
       <p:sp>
         <p:nvSpPr>
-          <p:cNvPr id="4" name="Content Placeholder 3">
-            <a:extLst>
-              <a:ext uri="{FF2B5EF4-FFF2-40B4-BE49-F238E27FC236}">
-                <a16:creationId xmlns:a16="http://schemas.microsoft.com/office/drawing/2014/main" id="{43A66430-BCDD-91ED-6AC4-96D061E3DF55}"/>
-              </a:ext>
-            </a:extLst>
-          </p:cNvPr>
+          <p:cNvPr id="4" name="Content Placeholder 3"/>
           <p:cNvSpPr>
             <a:spLocks noGrp="1"/>
           </p:cNvSpPr>
@@ -1617,13 +1843,41 @@
         </p:nvSpPr>
         <p:spPr>
           <a:xfrm>
-            <a:off x="839788" y="2505075"/>
-            <a:ext cx="5157787" cy="3684588"/>
+            <a:off x="1261872" y="2507550"/>
+            <a:ext cx="4480560" cy="3664650"/>
           </a:xfrm>
         </p:spPr>
         <p:txBody>
           <a:bodyPr/>
-          <a:lstStyle/>
+          <a:lstStyle>
+            <a:lvl1pPr>
+              <a:defRPr sz="1800"/>
+            </a:lvl1pPr>
+            <a:lvl2pPr>
+              <a:defRPr sz="1600"/>
+            </a:lvl2pPr>
+            <a:lvl3pPr>
+              <a:defRPr sz="1400"/>
+            </a:lvl3pPr>
+            <a:lvl4pPr>
+              <a:defRPr sz="1400"/>
+            </a:lvl4pPr>
+            <a:lvl5pPr>
+              <a:defRPr sz="1400"/>
+            </a:lvl5pPr>
+            <a:lvl6pPr>
+              <a:defRPr sz="1400"/>
+            </a:lvl6pPr>
+            <a:lvl7pPr>
+              <a:defRPr sz="1400"/>
+            </a:lvl7pPr>
+            <a:lvl8pPr>
+              <a:defRPr sz="1400"/>
+            </a:lvl8pPr>
+            <a:lvl9pPr>
+              <a:defRPr sz="1400"/>
+            </a:lvl9pPr>
+          </a:lstStyle>
           <a:p>
             <a:pPr lvl="0"/>
             <a:r>
@@ -1658,18 +1912,13 @@
               <a:rPr lang="en-US"/>
               <a:t>Fifth level</a:t>
             </a:r>
+            <a:endParaRPr lang="en-US" dirty="0"/>
           </a:p>
         </p:txBody>
       </p:sp>
       <p:sp>
         <p:nvSpPr>
-          <p:cNvPr id="5" name="Text Placeholder 4">
-            <a:extLst>
-              <a:ext uri="{FF2B5EF4-FFF2-40B4-BE49-F238E27FC236}">
-                <a16:creationId xmlns:a16="http://schemas.microsoft.com/office/drawing/2014/main" id="{550A92CC-2711-AE0E-4926-27E64E2E3904}"/>
-              </a:ext>
-            </a:extLst>
-          </p:cNvPr>
+          <p:cNvPr id="5" name="Text Placeholder 4"/>
           <p:cNvSpPr>
             <a:spLocks noGrp="1"/>
           </p:cNvSpPr>
@@ -1679,16 +1928,31 @@
         </p:nvSpPr>
         <p:spPr>
           <a:xfrm>
-            <a:off x="6172200" y="1681163"/>
-            <a:ext cx="5183188" cy="823912"/>
+            <a:off x="6126480" y="1713655"/>
+            <a:ext cx="4480560" cy="731520"/>
           </a:xfrm>
         </p:spPr>
         <p:txBody>
-          <a:bodyPr anchor="b"/>
+          <a:bodyPr anchor="b">
+            <a:normAutofit/>
+          </a:bodyPr>
           <a:lstStyle>
             <a:lvl1pPr marL="0" indent="0">
+              <a:lnSpc>
+                <a:spcPct val="95000"/>
+              </a:lnSpc>
+              <a:spcBef>
+                <a:spcPts val="0"/>
+              </a:spcBef>
               <a:buNone/>
-              <a:defRPr sz="2400" b="1"/>
+              <a:defRPr lang="en-US" sz="2000" b="0" kern="1200" dirty="0">
+                <a:solidFill>
+                  <a:schemeClr val="tx2"/>
+                </a:solidFill>
+                <a:latin typeface="+mn-lt"/>
+                <a:ea typeface="+mn-ea"/>
+                <a:cs typeface="+mn-cs"/>
+              </a:defRPr>
             </a:lvl1pPr>
             <a:lvl2pPr marL="457200" indent="0">
               <a:buNone/>
@@ -1724,7 +1988,16 @@
             </a:lvl9pPr>
           </a:lstStyle>
           <a:p>
-            <a:pPr lvl="0"/>
+            <a:pPr marL="0" lvl="0" indent="0" algn="l" defTabSz="914400" rtl="0" eaLnBrk="1" latinLnBrk="0" hangingPunct="1">
+              <a:lnSpc>
+                <a:spcPct val="90000"/>
+              </a:lnSpc>
+              <a:spcBef>
+                <a:spcPts val="2000"/>
+              </a:spcBef>
+              <a:buFontTx/>
+              <a:buNone/>
+            </a:pPr>
             <a:r>
               <a:rPr lang="en-US"/>
               <a:t>Click to edit Master text styles</a:t>
@@ -1734,13 +2007,7 @@
       </p:sp>
       <p:sp>
         <p:nvSpPr>
-          <p:cNvPr id="6" name="Content Placeholder 5">
-            <a:extLst>
-              <a:ext uri="{FF2B5EF4-FFF2-40B4-BE49-F238E27FC236}">
-                <a16:creationId xmlns:a16="http://schemas.microsoft.com/office/drawing/2014/main" id="{4263DF2D-55F6-9DF2-72D2-B230026AB778}"/>
-              </a:ext>
-            </a:extLst>
-          </p:cNvPr>
+          <p:cNvPr id="6" name="Content Placeholder 5"/>
           <p:cNvSpPr>
             <a:spLocks noGrp="1"/>
           </p:cNvSpPr>
@@ -1750,13 +2017,41 @@
         </p:nvSpPr>
         <p:spPr>
           <a:xfrm>
-            <a:off x="6172200" y="2505075"/>
-            <a:ext cx="5183188" cy="3684588"/>
+            <a:off x="6126480" y="2507550"/>
+            <a:ext cx="4480560" cy="3664650"/>
           </a:xfrm>
         </p:spPr>
         <p:txBody>
           <a:bodyPr/>
-          <a:lstStyle/>
+          <a:lstStyle>
+            <a:lvl1pPr>
+              <a:defRPr sz="1800"/>
+            </a:lvl1pPr>
+            <a:lvl2pPr>
+              <a:defRPr sz="1600"/>
+            </a:lvl2pPr>
+            <a:lvl3pPr>
+              <a:defRPr sz="1400"/>
+            </a:lvl3pPr>
+            <a:lvl4pPr>
+              <a:defRPr sz="1400"/>
+            </a:lvl4pPr>
+            <a:lvl5pPr>
+              <a:defRPr sz="1400"/>
+            </a:lvl5pPr>
+            <a:lvl6pPr>
+              <a:defRPr sz="1400"/>
+            </a:lvl6pPr>
+            <a:lvl7pPr>
+              <a:defRPr sz="1400"/>
+            </a:lvl7pPr>
+            <a:lvl8pPr>
+              <a:defRPr sz="1400"/>
+            </a:lvl8pPr>
+            <a:lvl9pPr>
+              <a:defRPr sz="1400"/>
+            </a:lvl9pPr>
+          </a:lstStyle>
           <a:p>
             <a:pPr lvl="0"/>
             <a:r>
@@ -1791,18 +2086,13 @@
               <a:rPr lang="en-US"/>
               <a:t>Fifth level</a:t>
             </a:r>
+            <a:endParaRPr lang="en-US" dirty="0"/>
           </a:p>
         </p:txBody>
       </p:sp>
       <p:sp>
         <p:nvSpPr>
-          <p:cNvPr id="7" name="Date Placeholder 6">
-            <a:extLst>
-              <a:ext uri="{FF2B5EF4-FFF2-40B4-BE49-F238E27FC236}">
-                <a16:creationId xmlns:a16="http://schemas.microsoft.com/office/drawing/2014/main" id="{29B6521A-084D-D8B9-5A35-605D0E3C1144}"/>
-              </a:ext>
-            </a:extLst>
-          </p:cNvPr>
+          <p:cNvPr id="7" name="Date Placeholder 6"/>
           <p:cNvSpPr>
             <a:spLocks noGrp="1"/>
           </p:cNvSpPr>
@@ -1817,7 +2107,7 @@
           <a:p>
             <a:fld id="{05085C3A-893C-4340-A9D4-E46BF6A407A9}" type="datetimeFigureOut">
               <a:rPr lang="en-US" smtClean="0"/>
-              <a:t>12/4/2022</a:t>
+              <a:t>12/5/2022</a:t>
             </a:fld>
             <a:endParaRPr lang="en-US"/>
           </a:p>
@@ -1825,13 +2115,7 @@
       </p:sp>
       <p:sp>
         <p:nvSpPr>
-          <p:cNvPr id="8" name="Footer Placeholder 7">
-            <a:extLst>
-              <a:ext uri="{FF2B5EF4-FFF2-40B4-BE49-F238E27FC236}">
-                <a16:creationId xmlns:a16="http://schemas.microsoft.com/office/drawing/2014/main" id="{43B2074E-2868-B4F5-C0B2-B7E5C4F57BC2}"/>
-              </a:ext>
-            </a:extLst>
-          </p:cNvPr>
+          <p:cNvPr id="8" name="Footer Placeholder 7"/>
           <p:cNvSpPr>
             <a:spLocks noGrp="1"/>
           </p:cNvSpPr>
@@ -1850,13 +2134,7 @@
       </p:sp>
       <p:sp>
         <p:nvSpPr>
-          <p:cNvPr id="9" name="Slide Number Placeholder 8">
-            <a:extLst>
-              <a:ext uri="{FF2B5EF4-FFF2-40B4-BE49-F238E27FC236}">
-                <a16:creationId xmlns:a16="http://schemas.microsoft.com/office/drawing/2014/main" id="{EEDE1C49-8893-C289-617C-31096FF446D1}"/>
-              </a:ext>
-            </a:extLst>
-          </p:cNvPr>
+          <p:cNvPr id="9" name="Slide Number Placeholder 8"/>
           <p:cNvSpPr>
             <a:spLocks noGrp="1"/>
           </p:cNvSpPr>
@@ -1880,7 +2158,7 @@
     </p:spTree>
     <p:extLst>
       <p:ext uri="{BB962C8B-B14F-4D97-AF65-F5344CB8AC3E}">
-        <p14:creationId xmlns:p14="http://schemas.microsoft.com/office/powerpoint/2010/main" val="2963532515"/>
+        <p14:creationId xmlns:p14="http://schemas.microsoft.com/office/powerpoint/2010/main" val="1845809230"/>
       </p:ext>
     </p:extLst>
   </p:cSld>
@@ -1909,13 +2187,7 @@
       </p:grpSpPr>
       <p:sp>
         <p:nvSpPr>
-          <p:cNvPr id="2" name="Title 1">
-            <a:extLst>
-              <a:ext uri="{FF2B5EF4-FFF2-40B4-BE49-F238E27FC236}">
-                <a16:creationId xmlns:a16="http://schemas.microsoft.com/office/drawing/2014/main" id="{EA81C0DB-34B3-D25C-4B5F-F3A046665D5C}"/>
-              </a:ext>
-            </a:extLst>
-          </p:cNvPr>
+          <p:cNvPr id="6" name="Title 5"/>
           <p:cNvSpPr>
             <a:spLocks noGrp="1"/>
           </p:cNvSpPr>
@@ -1932,18 +2204,13 @@
               <a:rPr lang="en-US"/>
               <a:t>Click to edit Master title style</a:t>
             </a:r>
+            <a:endParaRPr lang="en-US" dirty="0"/>
           </a:p>
         </p:txBody>
       </p:sp>
       <p:sp>
         <p:nvSpPr>
-          <p:cNvPr id="3" name="Date Placeholder 2">
-            <a:extLst>
-              <a:ext uri="{FF2B5EF4-FFF2-40B4-BE49-F238E27FC236}">
-                <a16:creationId xmlns:a16="http://schemas.microsoft.com/office/drawing/2014/main" id="{1F67F9CB-AE4C-568F-F0E8-8CCB080F7C25}"/>
-              </a:ext>
-            </a:extLst>
-          </p:cNvPr>
+          <p:cNvPr id="3" name="Date Placeholder 2"/>
           <p:cNvSpPr>
             <a:spLocks noGrp="1"/>
           </p:cNvSpPr>
@@ -1958,7 +2225,7 @@
           <a:p>
             <a:fld id="{05085C3A-893C-4340-A9D4-E46BF6A407A9}" type="datetimeFigureOut">
               <a:rPr lang="en-US" smtClean="0"/>
-              <a:t>12/4/2022</a:t>
+              <a:t>12/5/2022</a:t>
             </a:fld>
             <a:endParaRPr lang="en-US"/>
           </a:p>
@@ -1966,13 +2233,7 @@
       </p:sp>
       <p:sp>
         <p:nvSpPr>
-          <p:cNvPr id="4" name="Footer Placeholder 3">
-            <a:extLst>
-              <a:ext uri="{FF2B5EF4-FFF2-40B4-BE49-F238E27FC236}">
-                <a16:creationId xmlns:a16="http://schemas.microsoft.com/office/drawing/2014/main" id="{32C04369-AB37-8BFA-9C3D-9CF34D2FB84B}"/>
-              </a:ext>
-            </a:extLst>
-          </p:cNvPr>
+          <p:cNvPr id="4" name="Footer Placeholder 3"/>
           <p:cNvSpPr>
             <a:spLocks noGrp="1"/>
           </p:cNvSpPr>
@@ -1991,13 +2252,7 @@
       </p:sp>
       <p:sp>
         <p:nvSpPr>
-          <p:cNvPr id="5" name="Slide Number Placeholder 4">
-            <a:extLst>
-              <a:ext uri="{FF2B5EF4-FFF2-40B4-BE49-F238E27FC236}">
-                <a16:creationId xmlns:a16="http://schemas.microsoft.com/office/drawing/2014/main" id="{E98D1F19-09CA-1F3F-D4CD-AB85BFFF240A}"/>
-              </a:ext>
-            </a:extLst>
-          </p:cNvPr>
+          <p:cNvPr id="5" name="Slide Number Placeholder 4"/>
           <p:cNvSpPr>
             <a:spLocks noGrp="1"/>
           </p:cNvSpPr>
@@ -2021,7 +2276,7 @@
     </p:spTree>
     <p:extLst>
       <p:ext uri="{BB962C8B-B14F-4D97-AF65-F5344CB8AC3E}">
-        <p14:creationId xmlns:p14="http://schemas.microsoft.com/office/powerpoint/2010/main" val="4028497156"/>
+        <p14:creationId xmlns:p14="http://schemas.microsoft.com/office/powerpoint/2010/main" val="1727464648"/>
       </p:ext>
     </p:extLst>
   </p:cSld>
@@ -2050,13 +2305,7 @@
       </p:grpSpPr>
       <p:sp>
         <p:nvSpPr>
-          <p:cNvPr id="2" name="Date Placeholder 1">
-            <a:extLst>
-              <a:ext uri="{FF2B5EF4-FFF2-40B4-BE49-F238E27FC236}">
-                <a16:creationId xmlns:a16="http://schemas.microsoft.com/office/drawing/2014/main" id="{0C8357E8-2473-8C5D-EF4E-E86D8DB1ABDA}"/>
-              </a:ext>
-            </a:extLst>
-          </p:cNvPr>
+          <p:cNvPr id="2" name="Date Placeholder 1"/>
           <p:cNvSpPr>
             <a:spLocks noGrp="1"/>
           </p:cNvSpPr>
@@ -2071,7 +2320,7 @@
           <a:p>
             <a:fld id="{05085C3A-893C-4340-A9D4-E46BF6A407A9}" type="datetimeFigureOut">
               <a:rPr lang="en-US" smtClean="0"/>
-              <a:t>12/4/2022</a:t>
+              <a:t>12/5/2022</a:t>
             </a:fld>
             <a:endParaRPr lang="en-US"/>
           </a:p>
@@ -2079,13 +2328,7 @@
       </p:sp>
       <p:sp>
         <p:nvSpPr>
-          <p:cNvPr id="3" name="Footer Placeholder 2">
-            <a:extLst>
-              <a:ext uri="{FF2B5EF4-FFF2-40B4-BE49-F238E27FC236}">
-                <a16:creationId xmlns:a16="http://schemas.microsoft.com/office/drawing/2014/main" id="{ADC84D3F-CC6F-7A44-E191-BD3ECBAA9DC6}"/>
-              </a:ext>
-            </a:extLst>
-          </p:cNvPr>
+          <p:cNvPr id="3" name="Footer Placeholder 2"/>
           <p:cNvSpPr>
             <a:spLocks noGrp="1"/>
           </p:cNvSpPr>
@@ -2104,13 +2347,7 @@
       </p:sp>
       <p:sp>
         <p:nvSpPr>
-          <p:cNvPr id="4" name="Slide Number Placeholder 3">
-            <a:extLst>
-              <a:ext uri="{FF2B5EF4-FFF2-40B4-BE49-F238E27FC236}">
-                <a16:creationId xmlns:a16="http://schemas.microsoft.com/office/drawing/2014/main" id="{5EFA00CA-5F17-570C-06C3-4D707FEA14C7}"/>
-              </a:ext>
-            </a:extLst>
-          </p:cNvPr>
+          <p:cNvPr id="4" name="Slide Number Placeholder 3"/>
           <p:cNvSpPr>
             <a:spLocks noGrp="1"/>
           </p:cNvSpPr>
@@ -2134,7 +2371,7 @@
     </p:spTree>
     <p:extLst>
       <p:ext uri="{BB962C8B-B14F-4D97-AF65-F5344CB8AC3E}">
-        <p14:creationId xmlns:p14="http://schemas.microsoft.com/office/powerpoint/2010/main" val="3643567639"/>
+        <p14:creationId xmlns:p14="http://schemas.microsoft.com/office/powerpoint/2010/main" val="3899852177"/>
       </p:ext>
     </p:extLst>
   </p:cSld>
@@ -2163,13 +2400,7 @@
       </p:grpSpPr>
       <p:sp>
         <p:nvSpPr>
-          <p:cNvPr id="2" name="Title 1">
-            <a:extLst>
-              <a:ext uri="{FF2B5EF4-FFF2-40B4-BE49-F238E27FC236}">
-                <a16:creationId xmlns:a16="http://schemas.microsoft.com/office/drawing/2014/main" id="{C2A09BA1-0FA1-F92C-401E-2BF74F86E1C0}"/>
-              </a:ext>
-            </a:extLst>
-          </p:cNvPr>
+          <p:cNvPr id="2" name="Title 1"/>
           <p:cNvSpPr>
             <a:spLocks noGrp="1"/>
           </p:cNvSpPr>
@@ -2179,15 +2410,17 @@
         </p:nvSpPr>
         <p:spPr>
           <a:xfrm>
-            <a:off x="839788" y="457200"/>
-            <a:ext cx="3932237" cy="1600200"/>
+            <a:off x="841248" y="457200"/>
+            <a:ext cx="3200400" cy="1600197"/>
           </a:xfrm>
         </p:spPr>
         <p:txBody>
-          <a:bodyPr anchor="b"/>
+          <a:bodyPr anchor="b">
+            <a:normAutofit/>
+          </a:bodyPr>
           <a:lstStyle>
             <a:lvl1pPr>
-              <a:defRPr sz="3200"/>
+              <a:defRPr sz="3200" b="0" baseline="0"/>
             </a:lvl1pPr>
           </a:lstStyle>
           <a:p>
@@ -2195,18 +2428,13 @@
               <a:rPr lang="en-US"/>
               <a:t>Click to edit Master title style</a:t>
             </a:r>
+            <a:endParaRPr lang="en-US" dirty="0"/>
           </a:p>
         </p:txBody>
       </p:sp>
       <p:sp>
         <p:nvSpPr>
-          <p:cNvPr id="3" name="Content Placeholder 2">
-            <a:extLst>
-              <a:ext uri="{FF2B5EF4-FFF2-40B4-BE49-F238E27FC236}">
-                <a16:creationId xmlns:a16="http://schemas.microsoft.com/office/drawing/2014/main" id="{8014B9D2-5175-BAFC-4394-9A61C6AEBA28}"/>
-              </a:ext>
-            </a:extLst>
-          </p:cNvPr>
+          <p:cNvPr id="3" name="Content Placeholder 2"/>
           <p:cNvSpPr>
             <a:spLocks noGrp="1"/>
           </p:cNvSpPr>
@@ -2216,39 +2444,39 @@
         </p:nvSpPr>
         <p:spPr>
           <a:xfrm>
-            <a:off x="5183188" y="987425"/>
-            <a:ext cx="6172200" cy="4873625"/>
+            <a:off x="4504267" y="685800"/>
+            <a:ext cx="6079066" cy="5486400"/>
           </a:xfrm>
         </p:spPr>
         <p:txBody>
           <a:bodyPr/>
           <a:lstStyle>
             <a:lvl1pPr>
-              <a:defRPr sz="3200"/>
+              <a:defRPr sz="2000"/>
             </a:lvl1pPr>
             <a:lvl2pPr>
-              <a:defRPr sz="2800"/>
+              <a:defRPr sz="1800"/>
             </a:lvl2pPr>
             <a:lvl3pPr>
-              <a:defRPr sz="2400"/>
+              <a:defRPr sz="1600"/>
             </a:lvl3pPr>
             <a:lvl4pPr>
-              <a:defRPr sz="2000"/>
+              <a:defRPr sz="1400"/>
             </a:lvl4pPr>
             <a:lvl5pPr>
-              <a:defRPr sz="2000"/>
+              <a:defRPr sz="1400"/>
             </a:lvl5pPr>
             <a:lvl6pPr>
-              <a:defRPr sz="2000"/>
+              <a:defRPr sz="1400"/>
             </a:lvl6pPr>
             <a:lvl7pPr>
-              <a:defRPr sz="2000"/>
+              <a:defRPr sz="1400"/>
             </a:lvl7pPr>
             <a:lvl8pPr>
-              <a:defRPr sz="2000"/>
+              <a:defRPr sz="1400"/>
             </a:lvl8pPr>
             <a:lvl9pPr>
-              <a:defRPr sz="2000"/>
+              <a:defRPr sz="1400"/>
             </a:lvl9pPr>
           </a:lstStyle>
           <a:p>
@@ -2285,18 +2513,13 @@
               <a:rPr lang="en-US"/>
               <a:t>Fifth level</a:t>
             </a:r>
+            <a:endParaRPr lang="en-US" dirty="0"/>
           </a:p>
         </p:txBody>
       </p:sp>
       <p:sp>
         <p:nvSpPr>
-          <p:cNvPr id="4" name="Text Placeholder 3">
-            <a:extLst>
-              <a:ext uri="{FF2B5EF4-FFF2-40B4-BE49-F238E27FC236}">
-                <a16:creationId xmlns:a16="http://schemas.microsoft.com/office/drawing/2014/main" id="{7DF148AB-AAB6-7F6F-C42E-0D4C3DF1D0D0}"/>
-              </a:ext>
-            </a:extLst>
-          </p:cNvPr>
+          <p:cNvPr id="4" name="Text Placeholder 3"/>
           <p:cNvSpPr>
             <a:spLocks noGrp="1"/>
           </p:cNvSpPr>
@@ -2306,48 +2529,56 @@
         </p:nvSpPr>
         <p:spPr>
           <a:xfrm>
-            <a:off x="839788" y="2057400"/>
-            <a:ext cx="3932237" cy="3811588"/>
+            <a:off x="841248" y="2099734"/>
+            <a:ext cx="3200400" cy="3810001"/>
           </a:xfrm>
         </p:spPr>
         <p:txBody>
-          <a:bodyPr/>
+          <a:bodyPr>
+            <a:normAutofit/>
+          </a:bodyPr>
           <a:lstStyle>
             <a:lvl1pPr marL="0" indent="0">
+              <a:lnSpc>
+                <a:spcPct val="114000"/>
+              </a:lnSpc>
+              <a:spcBef>
+                <a:spcPts val="800"/>
+              </a:spcBef>
               <a:buNone/>
-              <a:defRPr sz="1600"/>
+              <a:defRPr sz="1300"/>
             </a:lvl1pPr>
             <a:lvl2pPr marL="457200" indent="0">
               <a:buNone/>
-              <a:defRPr sz="1400"/>
+              <a:defRPr sz="1200"/>
             </a:lvl2pPr>
             <a:lvl3pPr marL="914400" indent="0">
               <a:buNone/>
-              <a:defRPr sz="1200"/>
+              <a:defRPr sz="1000"/>
             </a:lvl3pPr>
             <a:lvl4pPr marL="1371600" indent="0">
               <a:buNone/>
-              <a:defRPr sz="1000"/>
+              <a:defRPr sz="900"/>
             </a:lvl4pPr>
             <a:lvl5pPr marL="1828800" indent="0">
               <a:buNone/>
-              <a:defRPr sz="1000"/>
+              <a:defRPr sz="900"/>
             </a:lvl5pPr>
             <a:lvl6pPr marL="2286000" indent="0">
               <a:buNone/>
-              <a:defRPr sz="1000"/>
+              <a:defRPr sz="900"/>
             </a:lvl6pPr>
             <a:lvl7pPr marL="2743200" indent="0">
               <a:buNone/>
-              <a:defRPr sz="1000"/>
+              <a:defRPr sz="900"/>
             </a:lvl7pPr>
             <a:lvl8pPr marL="3200400" indent="0">
               <a:buNone/>
-              <a:defRPr sz="1000"/>
+              <a:defRPr sz="900"/>
             </a:lvl8pPr>
             <a:lvl9pPr marL="3657600" indent="0">
               <a:buNone/>
-              <a:defRPr sz="1000"/>
+              <a:defRPr sz="900"/>
             </a:lvl9pPr>
           </a:lstStyle>
           <a:p>
@@ -2361,13 +2592,7 @@
       </p:sp>
       <p:sp>
         <p:nvSpPr>
-          <p:cNvPr id="5" name="Date Placeholder 4">
-            <a:extLst>
-              <a:ext uri="{FF2B5EF4-FFF2-40B4-BE49-F238E27FC236}">
-                <a16:creationId xmlns:a16="http://schemas.microsoft.com/office/drawing/2014/main" id="{16F346DF-7F36-8D1E-6135-112ADDB4ABE3}"/>
-              </a:ext>
-            </a:extLst>
-          </p:cNvPr>
+          <p:cNvPr id="5" name="Date Placeholder 4"/>
           <p:cNvSpPr>
             <a:spLocks noGrp="1"/>
           </p:cNvSpPr>
@@ -2382,7 +2607,7 @@
           <a:p>
             <a:fld id="{05085C3A-893C-4340-A9D4-E46BF6A407A9}" type="datetimeFigureOut">
               <a:rPr lang="en-US" smtClean="0"/>
-              <a:t>12/4/2022</a:t>
+              <a:t>12/5/2022</a:t>
             </a:fld>
             <a:endParaRPr lang="en-US"/>
           </a:p>
@@ -2390,13 +2615,7 @@
       </p:sp>
       <p:sp>
         <p:nvSpPr>
-          <p:cNvPr id="6" name="Footer Placeholder 5">
-            <a:extLst>
-              <a:ext uri="{FF2B5EF4-FFF2-40B4-BE49-F238E27FC236}">
-                <a16:creationId xmlns:a16="http://schemas.microsoft.com/office/drawing/2014/main" id="{4F25A89D-8E87-7B31-A733-D765F37B4CD7}"/>
-              </a:ext>
-            </a:extLst>
-          </p:cNvPr>
+          <p:cNvPr id="6" name="Footer Placeholder 5"/>
           <p:cNvSpPr>
             <a:spLocks noGrp="1"/>
           </p:cNvSpPr>
@@ -2415,13 +2634,7 @@
       </p:sp>
       <p:sp>
         <p:nvSpPr>
-          <p:cNvPr id="7" name="Slide Number Placeholder 6">
-            <a:extLst>
-              <a:ext uri="{FF2B5EF4-FFF2-40B4-BE49-F238E27FC236}">
-                <a16:creationId xmlns:a16="http://schemas.microsoft.com/office/drawing/2014/main" id="{A733C550-C60A-5F68-BDAD-E0A34C986EEE}"/>
-              </a:ext>
-            </a:extLst>
-          </p:cNvPr>
+          <p:cNvPr id="7" name="Slide Number Placeholder 6"/>
           <p:cNvSpPr>
             <a:spLocks noGrp="1"/>
           </p:cNvSpPr>
@@ -2445,7 +2658,7 @@
     </p:spTree>
     <p:extLst>
       <p:ext uri="{BB962C8B-B14F-4D97-AF65-F5344CB8AC3E}">
-        <p14:creationId xmlns:p14="http://schemas.microsoft.com/office/powerpoint/2010/main" val="1606553282"/>
+        <p14:creationId xmlns:p14="http://schemas.microsoft.com/office/powerpoint/2010/main" val="106003656"/>
       </p:ext>
     </p:extLst>
   </p:cSld>
@@ -2474,13 +2687,45 @@
       </p:grpSpPr>
       <p:sp>
         <p:nvSpPr>
-          <p:cNvPr id="2" name="Title 1">
-            <a:extLst>
-              <a:ext uri="{FF2B5EF4-FFF2-40B4-BE49-F238E27FC236}">
-                <a16:creationId xmlns:a16="http://schemas.microsoft.com/office/drawing/2014/main" id="{5287C72D-385D-277E-BCFE-A2E02B4070EA}"/>
-              </a:ext>
-            </a:extLst>
-          </p:cNvPr>
+          <p:cNvPr id="8" name="Rectangle 7"/>
+          <p:cNvSpPr/>
+          <p:nvPr/>
+        </p:nvSpPr>
+        <p:spPr>
+          <a:xfrm>
+            <a:off x="0" y="5105400"/>
+            <a:ext cx="11292840" cy="1752600"/>
+          </a:xfrm>
+          <a:prstGeom prst="rect">
+            <a:avLst/>
+          </a:prstGeom>
+          <a:solidFill>
+            <a:srgbClr val="000000"/>
+          </a:solidFill>
+          <a:ln>
+            <a:noFill/>
+          </a:ln>
+        </p:spPr>
+        <p:style>
+          <a:lnRef idx="2">
+            <a:schemeClr val="accent1">
+              <a:shade val="50000"/>
+            </a:schemeClr>
+          </a:lnRef>
+          <a:fillRef idx="1">
+            <a:schemeClr val="accent1"/>
+          </a:fillRef>
+          <a:effectRef idx="0">
+            <a:schemeClr val="accent1"/>
+          </a:effectRef>
+          <a:fontRef idx="minor">
+            <a:schemeClr val="lt1"/>
+          </a:fontRef>
+        </p:style>
+      </p:sp>
+      <p:sp>
+        <p:nvSpPr>
+          <p:cNvPr id="2" name="Title 1"/>
           <p:cNvSpPr>
             <a:spLocks noGrp="1"/>
           </p:cNvSpPr>
@@ -2490,15 +2735,21 @@
         </p:nvSpPr>
         <p:spPr>
           <a:xfrm>
-            <a:off x="839788" y="457200"/>
-            <a:ext cx="3932237" cy="1600200"/>
+            <a:off x="914400" y="5257800"/>
+            <a:ext cx="9982200" cy="914400"/>
           </a:xfrm>
         </p:spPr>
         <p:txBody>
-          <a:bodyPr anchor="b"/>
+          <a:bodyPr anchor="b">
+            <a:normAutofit/>
+          </a:bodyPr>
           <a:lstStyle>
             <a:lvl1pPr>
-              <a:defRPr sz="3200"/>
+              <a:defRPr sz="2800" b="0">
+                <a:solidFill>
+                  <a:schemeClr val="bg1"/>
+                </a:solidFill>
+              </a:defRPr>
             </a:lvl1pPr>
           </a:lstStyle>
           <a:p>
@@ -2506,20 +2757,15 @@
               <a:rPr lang="en-US"/>
               <a:t>Click to edit Master title style</a:t>
             </a:r>
+            <a:endParaRPr lang="en-US" dirty="0"/>
           </a:p>
         </p:txBody>
       </p:sp>
       <p:sp>
         <p:nvSpPr>
-          <p:cNvPr id="3" name="Picture Placeholder 2">
-            <a:extLst>
-              <a:ext uri="{FF2B5EF4-FFF2-40B4-BE49-F238E27FC236}">
-                <a16:creationId xmlns:a16="http://schemas.microsoft.com/office/drawing/2014/main" id="{555884E7-1337-EDDF-A58C-1CF5057FC71D}"/>
-              </a:ext>
-            </a:extLst>
-          </p:cNvPr>
+          <p:cNvPr id="3" name="Picture Placeholder 2"/>
           <p:cNvSpPr>
-            <a:spLocks noGrp="1"/>
+            <a:spLocks noGrp="1" noChangeAspect="1"/>
           </p:cNvSpPr>
           <p:nvPr>
             <p:ph type="pic" idx="1"/>
@@ -2527,16 +2773,23 @@
         </p:nvSpPr>
         <p:spPr>
           <a:xfrm>
-            <a:off x="5183188" y="987425"/>
-            <a:ext cx="6172200" cy="4873625"/>
+            <a:off x="0" y="0"/>
+            <a:ext cx="11292840" cy="5128923"/>
           </a:xfrm>
+          <a:solidFill>
+            <a:schemeClr val="accent1"/>
+          </a:solidFill>
         </p:spPr>
         <p:txBody>
-          <a:bodyPr/>
+          <a:bodyPr anchor="t"/>
           <a:lstStyle>
             <a:lvl1pPr marL="0" indent="0">
               <a:buNone/>
-              <a:defRPr sz="3200"/>
+              <a:defRPr sz="3200">
+                <a:solidFill>
+                  <a:schemeClr val="bg1"/>
+                </a:solidFill>
+              </a:defRPr>
             </a:lvl1pPr>
             <a:lvl2pPr marL="457200" indent="0">
               <a:buNone/>
@@ -2572,19 +2825,17 @@
             </a:lvl9pPr>
           </a:lstStyle>
           <a:p>
-            <a:endParaRPr lang="en-US"/>
+            <a:r>
+              <a:rPr lang="en-US"/>
+              <a:t>Click icon to add picture</a:t>
+            </a:r>
+            <a:endParaRPr lang="en-US" dirty="0"/>
           </a:p>
         </p:txBody>
       </p:sp>
       <p:sp>
         <p:nvSpPr>
-          <p:cNvPr id="4" name="Text Placeholder 3">
-            <a:extLst>
-              <a:ext uri="{FF2B5EF4-FFF2-40B4-BE49-F238E27FC236}">
-                <a16:creationId xmlns:a16="http://schemas.microsoft.com/office/drawing/2014/main" id="{1A656125-C9C0-9E18-1853-1CC57B60E6B8}"/>
-              </a:ext>
-            </a:extLst>
-          </p:cNvPr>
+          <p:cNvPr id="4" name="Text Placeholder 3"/>
           <p:cNvSpPr>
             <a:spLocks noGrp="1"/>
           </p:cNvSpPr>
@@ -2594,48 +2845,62 @@
         </p:nvSpPr>
         <p:spPr>
           <a:xfrm>
-            <a:off x="839788" y="2057400"/>
-            <a:ext cx="3932237" cy="3811588"/>
+            <a:off x="914400" y="6108589"/>
+            <a:ext cx="9982200" cy="597011"/>
           </a:xfrm>
         </p:spPr>
         <p:txBody>
-          <a:bodyPr/>
+          <a:bodyPr>
+            <a:normAutofit/>
+          </a:bodyPr>
           <a:lstStyle>
             <a:lvl1pPr marL="0" indent="0">
+              <a:lnSpc>
+                <a:spcPct val="100000"/>
+              </a:lnSpc>
+              <a:spcBef>
+                <a:spcPts val="800"/>
+              </a:spcBef>
               <a:buNone/>
-              <a:defRPr sz="1600"/>
+              <a:defRPr sz="1300">
+                <a:solidFill>
+                  <a:schemeClr val="bg1">
+                    <a:lumMod val="85000"/>
+                  </a:schemeClr>
+                </a:solidFill>
+              </a:defRPr>
             </a:lvl1pPr>
             <a:lvl2pPr marL="457200" indent="0">
               <a:buNone/>
-              <a:defRPr sz="1400"/>
+              <a:defRPr sz="1200"/>
             </a:lvl2pPr>
             <a:lvl3pPr marL="914400" indent="0">
               <a:buNone/>
-              <a:defRPr sz="1200"/>
+              <a:defRPr sz="1000"/>
             </a:lvl3pPr>
             <a:lvl4pPr marL="1371600" indent="0">
               <a:buNone/>
-              <a:defRPr sz="1000"/>
+              <a:defRPr sz="900"/>
             </a:lvl4pPr>
             <a:lvl5pPr marL="1828800" indent="0">
               <a:buNone/>
-              <a:defRPr sz="1000"/>
+              <a:defRPr sz="900"/>
             </a:lvl5pPr>
             <a:lvl6pPr marL="2286000" indent="0">
               <a:buNone/>
-              <a:defRPr sz="1000"/>
+              <a:defRPr sz="900"/>
             </a:lvl6pPr>
             <a:lvl7pPr marL="2743200" indent="0">
               <a:buNone/>
-              <a:defRPr sz="1000"/>
+              <a:defRPr sz="900"/>
             </a:lvl7pPr>
             <a:lvl8pPr marL="3200400" indent="0">
               <a:buNone/>
-              <a:defRPr sz="1000"/>
+              <a:defRPr sz="900"/>
             </a:lvl8pPr>
             <a:lvl9pPr marL="3657600" indent="0">
               <a:buNone/>
-              <a:defRPr sz="1000"/>
+              <a:defRPr sz="900"/>
             </a:lvl9pPr>
           </a:lstStyle>
           <a:p>
@@ -2649,13 +2914,7 @@
       </p:sp>
       <p:sp>
         <p:nvSpPr>
-          <p:cNvPr id="5" name="Date Placeholder 4">
-            <a:extLst>
-              <a:ext uri="{FF2B5EF4-FFF2-40B4-BE49-F238E27FC236}">
-                <a16:creationId xmlns:a16="http://schemas.microsoft.com/office/drawing/2014/main" id="{7244307F-CFFB-BE2D-6522-6B71EEB44646}"/>
-              </a:ext>
-            </a:extLst>
-          </p:cNvPr>
+          <p:cNvPr id="5" name="Date Placeholder 4"/>
           <p:cNvSpPr>
             <a:spLocks noGrp="1"/>
           </p:cNvSpPr>
@@ -2670,7 +2929,7 @@
           <a:p>
             <a:fld id="{05085C3A-893C-4340-A9D4-E46BF6A407A9}" type="datetimeFigureOut">
               <a:rPr lang="en-US" smtClean="0"/>
-              <a:t>12/4/2022</a:t>
+              <a:t>12/5/2022</a:t>
             </a:fld>
             <a:endParaRPr lang="en-US"/>
           </a:p>
@@ -2678,13 +2937,7 @@
       </p:sp>
       <p:sp>
         <p:nvSpPr>
-          <p:cNvPr id="6" name="Footer Placeholder 5">
-            <a:extLst>
-              <a:ext uri="{FF2B5EF4-FFF2-40B4-BE49-F238E27FC236}">
-                <a16:creationId xmlns:a16="http://schemas.microsoft.com/office/drawing/2014/main" id="{360A689B-AE57-A26F-9D64-3EF4BF24855E}"/>
-              </a:ext>
-            </a:extLst>
-          </p:cNvPr>
+          <p:cNvPr id="6" name="Footer Placeholder 5"/>
           <p:cNvSpPr>
             <a:spLocks noGrp="1"/>
           </p:cNvSpPr>
@@ -2703,13 +2956,7 @@
       </p:sp>
       <p:sp>
         <p:nvSpPr>
-          <p:cNvPr id="7" name="Slide Number Placeholder 6">
-            <a:extLst>
-              <a:ext uri="{FF2B5EF4-FFF2-40B4-BE49-F238E27FC236}">
-                <a16:creationId xmlns:a16="http://schemas.microsoft.com/office/drawing/2014/main" id="{F9719D76-BC7E-45CF-606C-489C02E211A1}"/>
-              </a:ext>
-            </a:extLst>
-          </p:cNvPr>
+          <p:cNvPr id="7" name="Slide Number Placeholder 6"/>
           <p:cNvSpPr>
             <a:spLocks noGrp="1"/>
           </p:cNvSpPr>
@@ -2733,7 +2980,7 @@
     </p:spTree>
     <p:extLst>
       <p:ext uri="{BB962C8B-B14F-4D97-AF65-F5344CB8AC3E}">
-        <p14:creationId xmlns:p14="http://schemas.microsoft.com/office/powerpoint/2010/main" val="2315364924"/>
+        <p14:creationId xmlns:p14="http://schemas.microsoft.com/office/powerpoint/2010/main" val="3591762510"/>
       </p:ext>
     </p:extLst>
   </p:cSld>
@@ -2747,7 +2994,7 @@
 <p:sldMaster xmlns:a="http://schemas.openxmlformats.org/drawingml/2006/main" xmlns:r="http://schemas.openxmlformats.org/officeDocument/2006/relationships" xmlns:p="http://schemas.openxmlformats.org/presentationml/2006/main">
   <p:cSld>
     <p:bg>
-      <p:bgRef idx="1001">
+      <p:bgRef idx="1003">
         <a:schemeClr val="bg1"/>
       </p:bgRef>
     </p:bg>
@@ -2767,13 +3014,47 @@
       </p:grpSpPr>
       <p:sp>
         <p:nvSpPr>
-          <p:cNvPr id="2" name="Title Placeholder 1">
-            <a:extLst>
-              <a:ext uri="{FF2B5EF4-FFF2-40B4-BE49-F238E27FC236}">
-                <a16:creationId xmlns:a16="http://schemas.microsoft.com/office/drawing/2014/main" id="{C7993A17-3046-F167-B7A0-310DE33A4414}"/>
-              </a:ext>
-            </a:extLst>
-          </p:cNvPr>
+          <p:cNvPr id="7" name="Rectangle 6"/>
+          <p:cNvSpPr/>
+          <p:nvPr/>
+        </p:nvSpPr>
+        <p:spPr>
+          <a:xfrm>
+            <a:off x="11292840" y="0"/>
+            <a:ext cx="914400" cy="6858000"/>
+          </a:xfrm>
+          <a:prstGeom prst="rect">
+            <a:avLst/>
+          </a:prstGeom>
+          <a:solidFill>
+            <a:schemeClr val="tx2">
+              <a:lumMod val="75000"/>
+            </a:schemeClr>
+          </a:solidFill>
+          <a:ln>
+            <a:noFill/>
+          </a:ln>
+        </p:spPr>
+        <p:style>
+          <a:lnRef idx="2">
+            <a:schemeClr val="accent1">
+              <a:shade val="50000"/>
+            </a:schemeClr>
+          </a:lnRef>
+          <a:fillRef idx="1">
+            <a:schemeClr val="accent1"/>
+          </a:fillRef>
+          <a:effectRef idx="0">
+            <a:schemeClr val="accent1"/>
+          </a:effectRef>
+          <a:fontRef idx="minor">
+            <a:schemeClr val="lt1"/>
+          </a:fontRef>
+        </p:style>
+      </p:sp>
+      <p:sp>
+        <p:nvSpPr>
+          <p:cNvPr id="2" name="Title Placeholder 1"/>
           <p:cNvSpPr>
             <a:spLocks noGrp="1"/>
           </p:cNvSpPr>
@@ -2783,15 +3064,15 @@
         </p:nvSpPr>
         <p:spPr>
           <a:xfrm>
-            <a:off x="838200" y="365125"/>
-            <a:ext cx="10515600" cy="1325563"/>
+            <a:off x="1261872" y="365760"/>
+            <a:ext cx="9692640" cy="1325562"/>
           </a:xfrm>
           <a:prstGeom prst="rect">
             <a:avLst/>
           </a:prstGeom>
         </p:spPr>
         <p:txBody>
-          <a:bodyPr vert="horz" lIns="91440" tIns="45720" rIns="91440" bIns="45720" rtlCol="0" anchor="ctr">
+          <a:bodyPr vert="horz" lIns="91440" tIns="45720" rIns="91440" bIns="45720" rtlCol="0" anchor="b">
             <a:normAutofit/>
           </a:bodyPr>
           <a:lstStyle/>
@@ -2800,18 +3081,13 @@
               <a:rPr lang="en-US"/>
               <a:t>Click to edit Master title style</a:t>
             </a:r>
+            <a:endParaRPr lang="en-US" dirty="0"/>
           </a:p>
         </p:txBody>
       </p:sp>
       <p:sp>
         <p:nvSpPr>
-          <p:cNvPr id="3" name="Text Placeholder 2">
-            <a:extLst>
-              <a:ext uri="{FF2B5EF4-FFF2-40B4-BE49-F238E27FC236}">
-                <a16:creationId xmlns:a16="http://schemas.microsoft.com/office/drawing/2014/main" id="{DEDD4BCB-216E-7080-4003-535DF64BDFAE}"/>
-              </a:ext>
-            </a:extLst>
-          </p:cNvPr>
+          <p:cNvPr id="3" name="Text Placeholder 2"/>
           <p:cNvSpPr>
             <a:spLocks noGrp="1"/>
           </p:cNvSpPr>
@@ -2821,8 +3097,8 @@
         </p:nvSpPr>
         <p:spPr>
           <a:xfrm>
-            <a:off x="838200" y="1825625"/>
-            <a:ext cx="10515600" cy="4351338"/>
+            <a:off x="1261872" y="1828800"/>
+            <a:ext cx="8595360" cy="4351337"/>
           </a:xfrm>
           <a:prstGeom prst="rect">
             <a:avLst/>
@@ -2867,18 +3143,13 @@
               <a:rPr lang="en-US"/>
               <a:t>Fifth level</a:t>
             </a:r>
+            <a:endParaRPr lang="en-US" dirty="0"/>
           </a:p>
         </p:txBody>
       </p:sp>
       <p:sp>
         <p:nvSpPr>
-          <p:cNvPr id="4" name="Date Placeholder 3">
-            <a:extLst>
-              <a:ext uri="{FF2B5EF4-FFF2-40B4-BE49-F238E27FC236}">
-                <a16:creationId xmlns:a16="http://schemas.microsoft.com/office/drawing/2014/main" id="{88EB2153-AA75-18BA-1F3D-BDA6D47C6055}"/>
-              </a:ext>
-            </a:extLst>
-          </p:cNvPr>
+          <p:cNvPr id="4" name="Date Placeholder 3"/>
           <p:cNvSpPr>
             <a:spLocks noGrp="1"/>
           </p:cNvSpPr>
@@ -2887,9 +3158,51 @@
           </p:nvPr>
         </p:nvSpPr>
         <p:spPr>
-          <a:xfrm>
-            <a:off x="838200" y="6356350"/>
-            <a:ext cx="2743200" cy="365125"/>
+          <a:xfrm rot="16200000">
+            <a:off x="10797542" y="998537"/>
+            <a:ext cx="1904999" cy="365125"/>
+          </a:xfrm>
+          <a:prstGeom prst="rect">
+            <a:avLst/>
+          </a:prstGeom>
+        </p:spPr>
+        <p:txBody>
+          <a:bodyPr vert="horz" lIns="91440" tIns="45720" rIns="91440" bIns="45720" rtlCol="0" anchor="ctr"/>
+          <a:lstStyle>
+            <a:lvl1pPr algn="r">
+              <a:defRPr sz="1050" b="0">
+                <a:solidFill>
+                  <a:schemeClr val="tx2">
+                    <a:lumMod val="20000"/>
+                    <a:lumOff val="80000"/>
+                  </a:schemeClr>
+                </a:solidFill>
+              </a:defRPr>
+            </a:lvl1pPr>
+          </a:lstStyle>
+          <a:p>
+            <a:fld id="{05085C3A-893C-4340-A9D4-E46BF6A407A9}" type="datetimeFigureOut">
+              <a:rPr lang="en-US" smtClean="0"/>
+              <a:t>12/5/2022</a:t>
+            </a:fld>
+            <a:endParaRPr lang="en-US"/>
+          </a:p>
+        </p:txBody>
+      </p:sp>
+      <p:sp>
+        <p:nvSpPr>
+          <p:cNvPr id="5" name="Footer Placeholder 4"/>
+          <p:cNvSpPr>
+            <a:spLocks noGrp="1"/>
+          </p:cNvSpPr>
+          <p:nvPr>
+            <p:ph type="ftr" sz="quarter" idx="3"/>
+          </p:nvPr>
+        </p:nvSpPr>
+        <p:spPr>
+          <a:xfrm rot="16200000">
+            <a:off x="9959341" y="4046537"/>
+            <a:ext cx="3581400" cy="365125"/>
           </a:xfrm>
           <a:prstGeom prst="rect">
             <a:avLst/>
@@ -2899,76 +3212,24 @@
           <a:bodyPr vert="horz" lIns="91440" tIns="45720" rIns="91440" bIns="45720" rtlCol="0" anchor="ctr"/>
           <a:lstStyle>
             <a:lvl1pPr algn="l">
-              <a:defRPr sz="1200">
+              <a:defRPr sz="1050">
                 <a:solidFill>
-                  <a:schemeClr val="tx1">
-                    <a:tint val="75000"/>
+                  <a:schemeClr val="tx2">
+                    <a:lumMod val="20000"/>
+                    <a:lumOff val="80000"/>
                   </a:schemeClr>
                 </a:solidFill>
               </a:defRPr>
             </a:lvl1pPr>
           </a:lstStyle>
           <a:p>
-            <a:fld id="{05085C3A-893C-4340-A9D4-E46BF6A407A9}" type="datetimeFigureOut">
-              <a:rPr lang="en-US" smtClean="0"/>
-              <a:t>12/4/2022</a:t>
-            </a:fld>
             <a:endParaRPr lang="en-US"/>
           </a:p>
         </p:txBody>
       </p:sp>
       <p:sp>
         <p:nvSpPr>
-          <p:cNvPr id="5" name="Footer Placeholder 4">
-            <a:extLst>
-              <a:ext uri="{FF2B5EF4-FFF2-40B4-BE49-F238E27FC236}">
-                <a16:creationId xmlns:a16="http://schemas.microsoft.com/office/drawing/2014/main" id="{464C4D1A-8F20-8816-C5E6-6C4A2517734C}"/>
-              </a:ext>
-            </a:extLst>
-          </p:cNvPr>
-          <p:cNvSpPr>
-            <a:spLocks noGrp="1"/>
-          </p:cNvSpPr>
-          <p:nvPr>
-            <p:ph type="ftr" sz="quarter" idx="3"/>
-          </p:nvPr>
-        </p:nvSpPr>
-        <p:spPr>
-          <a:xfrm>
-            <a:off x="4038600" y="6356350"/>
-            <a:ext cx="4114800" cy="365125"/>
-          </a:xfrm>
-          <a:prstGeom prst="rect">
-            <a:avLst/>
-          </a:prstGeom>
-        </p:spPr>
-        <p:txBody>
-          <a:bodyPr vert="horz" lIns="91440" tIns="45720" rIns="91440" bIns="45720" rtlCol="0" anchor="ctr"/>
-          <a:lstStyle>
-            <a:lvl1pPr algn="ctr">
-              <a:defRPr sz="1200">
-                <a:solidFill>
-                  <a:schemeClr val="tx1">
-                    <a:tint val="75000"/>
-                  </a:schemeClr>
-                </a:solidFill>
-              </a:defRPr>
-            </a:lvl1pPr>
-          </a:lstStyle>
-          <a:p>
-            <a:endParaRPr lang="en-US"/>
-          </a:p>
-        </p:txBody>
-      </p:sp>
-      <p:sp>
-        <p:nvSpPr>
-          <p:cNvPr id="6" name="Slide Number Placeholder 5">
-            <a:extLst>
-              <a:ext uri="{FF2B5EF4-FFF2-40B4-BE49-F238E27FC236}">
-                <a16:creationId xmlns:a16="http://schemas.microsoft.com/office/drawing/2014/main" id="{131F5C71-82DA-D797-AEA4-DF28038B7493}"/>
-              </a:ext>
-            </a:extLst>
-          </p:cNvPr>
+          <p:cNvPr id="6" name="Slide Number Placeholder 5"/>
           <p:cNvSpPr>
             <a:spLocks noGrp="1"/>
           </p:cNvSpPr>
@@ -2978,21 +3239,24 @@
         </p:nvSpPr>
         <p:spPr>
           <a:xfrm>
-            <a:off x="8610600" y="6356350"/>
-            <a:ext cx="2743200" cy="365125"/>
+            <a:off x="11292840" y="6172200"/>
+            <a:ext cx="914400" cy="593725"/>
           </a:xfrm>
           <a:prstGeom prst="rect">
             <a:avLst/>
           </a:prstGeom>
         </p:spPr>
         <p:txBody>
-          <a:bodyPr vert="horz" lIns="91440" tIns="45720" rIns="91440" bIns="45720" rtlCol="0" anchor="ctr"/>
+          <a:bodyPr vert="horz" lIns="45720" tIns="45720" rIns="45720" bIns="45720" rtlCol="0" anchor="ctr">
+            <a:normAutofit/>
+          </a:bodyPr>
           <a:lstStyle>
-            <a:lvl1pPr algn="r">
-              <a:defRPr sz="1200">
+            <a:lvl1pPr algn="ctr">
+              <a:defRPr sz="3600">
                 <a:solidFill>
-                  <a:schemeClr val="tx1">
-                    <a:tint val="75000"/>
+                  <a:schemeClr val="tx2">
+                    <a:lumMod val="60000"/>
+                    <a:lumOff val="40000"/>
                   </a:schemeClr>
                 </a:solidFill>
               </a:defRPr>
@@ -3010,23 +3274,23 @@
     </p:spTree>
     <p:extLst>
       <p:ext uri="{BB962C8B-B14F-4D97-AF65-F5344CB8AC3E}">
-        <p14:creationId xmlns:p14="http://schemas.microsoft.com/office/powerpoint/2010/main" val="3324277044"/>
+        <p14:creationId xmlns:p14="http://schemas.microsoft.com/office/powerpoint/2010/main" val="2749703974"/>
       </p:ext>
     </p:extLst>
   </p:cSld>
   <p:clrMap bg1="lt1" tx1="dk1" bg2="lt2" tx2="dk2" accent1="accent1" accent2="accent2" accent3="accent3" accent4="accent4" accent5="accent5" accent6="accent6" hlink="hlink" folHlink="folHlink"/>
   <p:sldLayoutIdLst>
-    <p:sldLayoutId id="2147483649" r:id="rId1"/>
-    <p:sldLayoutId id="2147483650" r:id="rId2"/>
-    <p:sldLayoutId id="2147483651" r:id="rId3"/>
-    <p:sldLayoutId id="2147483652" r:id="rId4"/>
-    <p:sldLayoutId id="2147483653" r:id="rId5"/>
-    <p:sldLayoutId id="2147483654" r:id="rId6"/>
-    <p:sldLayoutId id="2147483655" r:id="rId7"/>
-    <p:sldLayoutId id="2147483656" r:id="rId8"/>
-    <p:sldLayoutId id="2147483657" r:id="rId9"/>
-    <p:sldLayoutId id="2147483658" r:id="rId10"/>
-    <p:sldLayoutId id="2147483659" r:id="rId11"/>
+    <p:sldLayoutId id="2147483661" r:id="rId1"/>
+    <p:sldLayoutId id="2147483662" r:id="rId2"/>
+    <p:sldLayoutId id="2147483663" r:id="rId3"/>
+    <p:sldLayoutId id="2147483664" r:id="rId4"/>
+    <p:sldLayoutId id="2147483665" r:id="rId5"/>
+    <p:sldLayoutId id="2147483666" r:id="rId6"/>
+    <p:sldLayoutId id="2147483667" r:id="rId7"/>
+    <p:sldLayoutId id="2147483668" r:id="rId8"/>
+    <p:sldLayoutId id="2147483669" r:id="rId9"/>
+    <p:sldLayoutId id="2147483670" r:id="rId10"/>
+    <p:sldLayoutId id="2147483671" r:id="rId11"/>
   </p:sldLayoutIdLst>
   <p:txStyles>
     <p:titleStyle>
@@ -3038,7 +3302,7 @@
           <a:spcPct val="0"/>
         </a:spcBef>
         <a:buNone/>
-        <a:defRPr sz="4400" kern="1200">
+        <a:defRPr sz="4400" kern="1200" spc="-50" baseline="0">
           <a:solidFill>
             <a:schemeClr val="tx1"/>
           </a:solidFill>
@@ -3049,16 +3313,23 @@
       </a:lvl1pPr>
     </p:titleStyle>
     <p:bodyStyle>
-      <a:lvl1pPr marL="228600" indent="-228600" algn="l" defTabSz="914400" rtl="0" eaLnBrk="1" latinLnBrk="0" hangingPunct="1">
+      <a:lvl1pPr marL="182880" indent="-182880" algn="l" defTabSz="914400" rtl="0" eaLnBrk="1" latinLnBrk="0" hangingPunct="1">
         <a:lnSpc>
-          <a:spcPct val="90000"/>
+          <a:spcPct val="95000"/>
         </a:lnSpc>
         <a:spcBef>
-          <a:spcPts val="1000"/>
+          <a:spcPts val="1400"/>
         </a:spcBef>
-        <a:buFont typeface="Arial" panose="020B0604020202020204" pitchFamily="34" charset="0"/>
+        <a:spcAft>
+          <a:spcPts val="200"/>
+        </a:spcAft>
+        <a:buClr>
+          <a:schemeClr val="accent1"/>
+        </a:buClr>
+        <a:buSzPct val="80000"/>
+        <a:buFont typeface="Arial" pitchFamily="34" charset="0"/>
         <a:buChar char="•"/>
-        <a:defRPr sz="2800" kern="1200">
+        <a:defRPr sz="1800" kern="1200" spc="10" baseline="0">
           <a:solidFill>
             <a:schemeClr val="tx1"/>
           </a:solidFill>
@@ -3067,144 +3338,216 @@
           <a:cs typeface="+mn-cs"/>
         </a:defRPr>
       </a:lvl1pPr>
-      <a:lvl2pPr marL="685800" indent="-228600" algn="l" defTabSz="914400" rtl="0" eaLnBrk="1" latinLnBrk="0" hangingPunct="1">
+      <a:lvl2pPr marL="457200" indent="-182880" algn="l" defTabSz="914400" rtl="0" eaLnBrk="1" latinLnBrk="0" hangingPunct="1">
         <a:lnSpc>
           <a:spcPct val="90000"/>
         </a:lnSpc>
         <a:spcBef>
-          <a:spcPts val="500"/>
+          <a:spcPts val="300"/>
         </a:spcBef>
-        <a:buFont typeface="Arial" panose="020B0604020202020204" pitchFamily="34" charset="0"/>
-        <a:buChar char="•"/>
-        <a:defRPr sz="2400" kern="1200">
+        <a:spcAft>
+          <a:spcPts val="300"/>
+        </a:spcAft>
+        <a:buClr>
+          <a:schemeClr val="accent1"/>
+        </a:buClr>
+        <a:buFont typeface="Wingdings 2" pitchFamily="18" charset="2"/>
+        <a:buChar char=""/>
+        <a:defRPr sz="1600" kern="1200">
           <a:solidFill>
-            <a:schemeClr val="tx1"/>
+            <a:schemeClr val="tx1">
+              <a:lumMod val="85000"/>
+              <a:lumOff val="15000"/>
+            </a:schemeClr>
           </a:solidFill>
           <a:latin typeface="+mn-lt"/>
           <a:ea typeface="+mn-ea"/>
           <a:cs typeface="+mn-cs"/>
         </a:defRPr>
       </a:lvl2pPr>
-      <a:lvl3pPr marL="1143000" indent="-228600" algn="l" defTabSz="914400" rtl="0" eaLnBrk="1" latinLnBrk="0" hangingPunct="1">
+      <a:lvl3pPr marL="731520" indent="-182880" algn="l" defTabSz="914400" rtl="0" eaLnBrk="1" latinLnBrk="0" hangingPunct="1">
         <a:lnSpc>
           <a:spcPct val="90000"/>
         </a:lnSpc>
         <a:spcBef>
-          <a:spcPts val="500"/>
+          <a:spcPts val="300"/>
         </a:spcBef>
-        <a:buFont typeface="Arial" panose="020B0604020202020204" pitchFamily="34" charset="0"/>
-        <a:buChar char="•"/>
-        <a:defRPr sz="2000" kern="1200">
+        <a:spcAft>
+          <a:spcPts val="300"/>
+        </a:spcAft>
+        <a:buClr>
+          <a:schemeClr val="accent1"/>
+        </a:buClr>
+        <a:buFont typeface="Wingdings 2" pitchFamily="18" charset="2"/>
+        <a:buChar char=""/>
+        <a:defRPr sz="1400" kern="1200">
           <a:solidFill>
-            <a:schemeClr val="tx1"/>
+            <a:schemeClr val="tx1">
+              <a:lumMod val="85000"/>
+              <a:lumOff val="15000"/>
+            </a:schemeClr>
           </a:solidFill>
           <a:latin typeface="+mn-lt"/>
           <a:ea typeface="+mn-ea"/>
           <a:cs typeface="+mn-cs"/>
         </a:defRPr>
       </a:lvl3pPr>
-      <a:lvl4pPr marL="1600200" indent="-228600" algn="l" defTabSz="914400" rtl="0" eaLnBrk="1" latinLnBrk="0" hangingPunct="1">
+      <a:lvl4pPr marL="1005840" indent="-182880" algn="l" defTabSz="914400" rtl="0" eaLnBrk="1" latinLnBrk="0" hangingPunct="1">
         <a:lnSpc>
           <a:spcPct val="90000"/>
         </a:lnSpc>
         <a:spcBef>
-          <a:spcPts val="500"/>
+          <a:spcPts val="300"/>
         </a:spcBef>
-        <a:buFont typeface="Arial" panose="020B0604020202020204" pitchFamily="34" charset="0"/>
-        <a:buChar char="•"/>
-        <a:defRPr sz="1800" kern="1200">
+        <a:spcAft>
+          <a:spcPts val="300"/>
+        </a:spcAft>
+        <a:buClr>
+          <a:schemeClr val="accent1"/>
+        </a:buClr>
+        <a:buFont typeface="Wingdings 2" pitchFamily="18" charset="2"/>
+        <a:buChar char=""/>
+        <a:defRPr sz="1400" kern="1200">
           <a:solidFill>
-            <a:schemeClr val="tx1"/>
+            <a:schemeClr val="tx1">
+              <a:lumMod val="85000"/>
+              <a:lumOff val="15000"/>
+            </a:schemeClr>
           </a:solidFill>
           <a:latin typeface="+mn-lt"/>
           <a:ea typeface="+mn-ea"/>
           <a:cs typeface="+mn-cs"/>
         </a:defRPr>
       </a:lvl4pPr>
-      <a:lvl5pPr marL="2057400" indent="-228600" algn="l" defTabSz="914400" rtl="0" eaLnBrk="1" latinLnBrk="0" hangingPunct="1">
+      <a:lvl5pPr marL="1280160" indent="-182880" algn="l" defTabSz="914400" rtl="0" eaLnBrk="1" latinLnBrk="0" hangingPunct="1">
         <a:lnSpc>
           <a:spcPct val="90000"/>
         </a:lnSpc>
         <a:spcBef>
-          <a:spcPts val="500"/>
+          <a:spcPts val="300"/>
         </a:spcBef>
-        <a:buFont typeface="Arial" panose="020B0604020202020204" pitchFamily="34" charset="0"/>
-        <a:buChar char="•"/>
-        <a:defRPr sz="1800" kern="1200">
+        <a:spcAft>
+          <a:spcPts val="300"/>
+        </a:spcAft>
+        <a:buClr>
+          <a:schemeClr val="accent1"/>
+        </a:buClr>
+        <a:buFont typeface="Wingdings 2" pitchFamily="18" charset="2"/>
+        <a:buChar char=""/>
+        <a:defRPr sz="1400" kern="1200">
           <a:solidFill>
-            <a:schemeClr val="tx1"/>
+            <a:schemeClr val="tx1">
+              <a:lumMod val="85000"/>
+              <a:lumOff val="15000"/>
+            </a:schemeClr>
           </a:solidFill>
           <a:latin typeface="+mn-lt"/>
           <a:ea typeface="+mn-ea"/>
           <a:cs typeface="+mn-cs"/>
         </a:defRPr>
       </a:lvl5pPr>
-      <a:lvl6pPr marL="2514600" indent="-228600" algn="l" defTabSz="914400" rtl="0" eaLnBrk="1" latinLnBrk="0" hangingPunct="1">
+      <a:lvl6pPr marL="1600000" indent="-228600" algn="l" defTabSz="914400" rtl="0" eaLnBrk="1" latinLnBrk="0" hangingPunct="1">
         <a:lnSpc>
           <a:spcPct val="90000"/>
         </a:lnSpc>
         <a:spcBef>
-          <a:spcPts val="500"/>
+          <a:spcPts val="300"/>
         </a:spcBef>
-        <a:buFont typeface="Arial" panose="020B0604020202020204" pitchFamily="34" charset="0"/>
-        <a:buChar char="•"/>
-        <a:defRPr sz="1800" kern="1200">
+        <a:spcAft>
+          <a:spcPts val="300"/>
+        </a:spcAft>
+        <a:buClr>
+          <a:schemeClr val="accent1"/>
+        </a:buClr>
+        <a:buFont typeface="Wingdings 2" pitchFamily="18" charset="2"/>
+        <a:buChar char=""/>
+        <a:defRPr sz="1400" kern="1200">
           <a:solidFill>
-            <a:schemeClr val="tx1"/>
+            <a:schemeClr val="tx1">
+              <a:lumMod val="85000"/>
+              <a:lumOff val="15000"/>
+            </a:schemeClr>
           </a:solidFill>
           <a:latin typeface="+mn-lt"/>
           <a:ea typeface="+mn-ea"/>
           <a:cs typeface="+mn-cs"/>
         </a:defRPr>
       </a:lvl6pPr>
-      <a:lvl7pPr marL="2971800" indent="-228600" algn="l" defTabSz="914400" rtl="0" eaLnBrk="1" latinLnBrk="0" hangingPunct="1">
+      <a:lvl7pPr marL="1900000" indent="-228600" algn="l" defTabSz="914400" rtl="0" eaLnBrk="1" latinLnBrk="0" hangingPunct="1">
         <a:lnSpc>
           <a:spcPct val="90000"/>
         </a:lnSpc>
         <a:spcBef>
-          <a:spcPts val="500"/>
+          <a:spcPts val="300"/>
         </a:spcBef>
-        <a:buFont typeface="Arial" panose="020B0604020202020204" pitchFamily="34" charset="0"/>
-        <a:buChar char="•"/>
-        <a:defRPr sz="1800" kern="1200">
+        <a:spcAft>
+          <a:spcPts val="300"/>
+        </a:spcAft>
+        <a:buClr>
+          <a:schemeClr val="accent1"/>
+        </a:buClr>
+        <a:buFont typeface="Wingdings 2" pitchFamily="18" charset="2"/>
+        <a:buChar char=""/>
+        <a:defRPr sz="1400" kern="1200">
           <a:solidFill>
-            <a:schemeClr val="tx1"/>
+            <a:schemeClr val="tx1">
+              <a:lumMod val="85000"/>
+              <a:lumOff val="15000"/>
+            </a:schemeClr>
           </a:solidFill>
           <a:latin typeface="+mn-lt"/>
           <a:ea typeface="+mn-ea"/>
           <a:cs typeface="+mn-cs"/>
         </a:defRPr>
       </a:lvl7pPr>
-      <a:lvl8pPr marL="3429000" indent="-228600" algn="l" defTabSz="914400" rtl="0" eaLnBrk="1" latinLnBrk="0" hangingPunct="1">
+      <a:lvl8pPr marL="2200000" indent="-228600" algn="l" defTabSz="914400" rtl="0" eaLnBrk="1" latinLnBrk="0" hangingPunct="1">
         <a:lnSpc>
           <a:spcPct val="90000"/>
         </a:lnSpc>
         <a:spcBef>
-          <a:spcPts val="500"/>
+          <a:spcPts val="300"/>
         </a:spcBef>
-        <a:buFont typeface="Arial" panose="020B0604020202020204" pitchFamily="34" charset="0"/>
-        <a:buChar char="•"/>
-        <a:defRPr sz="1800" kern="1200">
+        <a:spcAft>
+          <a:spcPts val="300"/>
+        </a:spcAft>
+        <a:buClr>
+          <a:schemeClr val="accent1"/>
+        </a:buClr>
+        <a:buFont typeface="Wingdings 2" pitchFamily="18" charset="2"/>
+        <a:buChar char=""/>
+        <a:defRPr sz="1400" kern="1200">
           <a:solidFill>
-            <a:schemeClr val="tx1"/>
+            <a:schemeClr val="tx1">
+              <a:lumMod val="85000"/>
+              <a:lumOff val="15000"/>
+            </a:schemeClr>
           </a:solidFill>
           <a:latin typeface="+mn-lt"/>
           <a:ea typeface="+mn-ea"/>
           <a:cs typeface="+mn-cs"/>
         </a:defRPr>
       </a:lvl8pPr>
-      <a:lvl9pPr marL="3886200" indent="-228600" algn="l" defTabSz="914400" rtl="0" eaLnBrk="1" latinLnBrk="0" hangingPunct="1">
+      <a:lvl9pPr marL="2500000" indent="-228600" algn="l" defTabSz="914400" rtl="0" eaLnBrk="1" latinLnBrk="0" hangingPunct="1">
         <a:lnSpc>
           <a:spcPct val="90000"/>
         </a:lnSpc>
         <a:spcBef>
-          <a:spcPts val="500"/>
+          <a:spcPts val="300"/>
         </a:spcBef>
-        <a:buFont typeface="Arial" panose="020B0604020202020204" pitchFamily="34" charset="0"/>
-        <a:buChar char="•"/>
-        <a:defRPr sz="1800" kern="1200">
+        <a:spcAft>
+          <a:spcPts val="300"/>
+        </a:spcAft>
+        <a:buClr>
+          <a:schemeClr val="accent1"/>
+        </a:buClr>
+        <a:buFont typeface="Wingdings 2" pitchFamily="18" charset="2"/>
+        <a:buChar char=""/>
+        <a:defRPr sz="1400" kern="1200">
           <a:solidFill>
-            <a:schemeClr val="tx1"/>
+            <a:schemeClr val="tx1">
+              <a:lumMod val="85000"/>
+              <a:lumOff val="15000"/>
+            </a:schemeClr>
           </a:solidFill>
           <a:latin typeface="+mn-lt"/>
           <a:ea typeface="+mn-ea"/>
@@ -3346,12 +3689,14 @@
         </p:nvSpPr>
         <p:spPr/>
         <p:txBody>
-          <a:bodyPr/>
+          <a:bodyPr>
+            <a:normAutofit/>
+          </a:bodyPr>
           <a:lstStyle/>
           <a:p>
             <a:r>
-              <a:rPr lang="en-US" dirty="0"/>
-              <a:t>The Project</a:t>
+              <a:rPr lang="en-US" sz="4800" dirty="0"/>
+              <a:t>Does a company’s performance impact the CEO’s salary?</a:t>
             </a:r>
           </a:p>
         </p:txBody>
@@ -3377,7 +3722,10 @@
           <a:bodyPr/>
           <a:lstStyle/>
           <a:p>
-            <a:endParaRPr lang="en-US"/>
+            <a:r>
+              <a:rPr lang="en-US" dirty="0"/>
+              <a:t>Group 4</a:t>
+            </a:r>
           </a:p>
         </p:txBody>
       </p:sp>
@@ -3605,8 +3953,8 @@
           </a:p>
         </p:txBody>
       </p:sp>
-      <mc:AlternateContent xmlns:mc="http://schemas.openxmlformats.org/markup-compatibility/2006">
-        <mc:Choice xmlns:a14="http://schemas.microsoft.com/office/drawing/2010/main" Requires="a14">
+      <mc:AlternateContent xmlns:mc="http://schemas.openxmlformats.org/markup-compatibility/2006" xmlns:a14="http://schemas.microsoft.com/office/drawing/2010/main">
+        <mc:Choice Requires="a14">
           <p:sp>
             <p:nvSpPr>
               <p:cNvPr id="3" name="Content Placeholder 2">
@@ -4176,7 +4524,7 @@
             </p:txBody>
           </p:sp>
         </mc:Choice>
-        <mc:Fallback>
+        <mc:Fallback xmlns="">
           <p:sp>
             <p:nvSpPr>
               <p:cNvPr id="3" name="Content Placeholder 2">
@@ -4274,8 +4622,8 @@
           </a:p>
         </p:txBody>
       </p:sp>
-      <mc:AlternateContent xmlns:mc="http://schemas.openxmlformats.org/markup-compatibility/2006">
-        <mc:Choice xmlns:a14="http://schemas.microsoft.com/office/drawing/2010/main" Requires="a14">
+      <mc:AlternateContent xmlns:mc="http://schemas.openxmlformats.org/markup-compatibility/2006" xmlns:a14="http://schemas.microsoft.com/office/drawing/2010/main">
+        <mc:Choice Requires="a14">
           <p:sp>
             <p:nvSpPr>
               <p:cNvPr id="3" name="Content Placeholder 2">
@@ -5237,7 +5585,7 @@
             </p:txBody>
           </p:sp>
         </mc:Choice>
-        <mc:Fallback>
+        <mc:Fallback xmlns="">
           <p:sp>
             <p:nvSpPr>
               <p:cNvPr id="3" name="Content Placeholder 2">
@@ -5335,8 +5683,8 @@
           </a:p>
         </p:txBody>
       </p:sp>
-      <mc:AlternateContent xmlns:mc="http://schemas.openxmlformats.org/markup-compatibility/2006">
-        <mc:Choice xmlns:a14="http://schemas.microsoft.com/office/drawing/2010/main" Requires="a14">
+      <mc:AlternateContent xmlns:mc="http://schemas.openxmlformats.org/markup-compatibility/2006" xmlns:a14="http://schemas.microsoft.com/office/drawing/2010/main">
+        <mc:Choice Requires="a14">
           <p:sp>
             <p:nvSpPr>
               <p:cNvPr id="3" name="Content Placeholder 2">
@@ -7130,7 +7478,7 @@
             </p:txBody>
           </p:sp>
         </mc:Choice>
-        <mc:Fallback>
+        <mc:Fallback xmlns="">
           <p:sp>
             <p:nvSpPr>
               <p:cNvPr id="3" name="Content Placeholder 2">
@@ -7350,110 +7698,58 @@
 </file>
 
 <file path=ppt/theme/theme1.xml><?xml version="1.0" encoding="utf-8"?>
-<a:theme xmlns:a="http://schemas.openxmlformats.org/drawingml/2006/main" name="Office Theme">
+<a:theme xmlns:a="http://schemas.openxmlformats.org/drawingml/2006/main" name="View">
   <a:themeElements>
-    <a:clrScheme name="Office">
+    <a:clrScheme name="View">
       <a:dk1>
-        <a:sysClr val="windowText" lastClr="000000"/>
+        <a:srgbClr val="000000"/>
       </a:dk1>
       <a:lt1>
-        <a:sysClr val="window" lastClr="FFFFFF"/>
+        <a:srgbClr val="FFFFFF"/>
       </a:lt1>
       <a:dk2>
-        <a:srgbClr val="44546A"/>
+        <a:srgbClr val="46464A"/>
       </a:dk2>
       <a:lt2>
-        <a:srgbClr val="E7E6E6"/>
+        <a:srgbClr val="D6D3CC"/>
       </a:lt2>
       <a:accent1>
-        <a:srgbClr val="4472C4"/>
+        <a:srgbClr val="6F6F74"/>
       </a:accent1>
       <a:accent2>
-        <a:srgbClr val="ED7D31"/>
+        <a:srgbClr val="92A9B9"/>
       </a:accent2>
       <a:accent3>
-        <a:srgbClr val="A5A5A5"/>
+        <a:srgbClr val="A7B789"/>
       </a:accent3>
       <a:accent4>
-        <a:srgbClr val="FFC000"/>
+        <a:srgbClr val="B9A489"/>
       </a:accent4>
       <a:accent5>
-        <a:srgbClr val="5B9BD5"/>
+        <a:srgbClr val="8D6374"/>
       </a:accent5>
       <a:accent6>
-        <a:srgbClr val="70AD47"/>
+        <a:srgbClr val="9B7362"/>
       </a:accent6>
       <a:hlink>
-        <a:srgbClr val="0563C1"/>
+        <a:srgbClr val="67AABF"/>
       </a:hlink>
       <a:folHlink>
-        <a:srgbClr val="954F72"/>
+        <a:srgbClr val="ABAFA5"/>
       </a:folHlink>
     </a:clrScheme>
-    <a:fontScheme name="Office">
+    <a:fontScheme name="View">
       <a:majorFont>
-        <a:latin typeface="Calibri Light" panose="020F0302020204030204"/>
+        <a:latin typeface="Century Schoolbook" panose="02040604050505020304"/>
         <a:ea typeface=""/>
         <a:cs typeface=""/>
-        <a:font script="Jpan" typeface="游ゴシック Light"/>
+        <a:font script="Jpan" typeface="ＭＳ ゴシック"/>
         <a:font script="Hang" typeface="맑은 고딕"/>
-        <a:font script="Hans" typeface="等线 Light"/>
+        <a:font script="Hans" typeface="宋体"/>
         <a:font script="Hant" typeface="新細明體"/>
-        <a:font script="Arab" typeface="Times New Roman"/>
-        <a:font script="Hebr" typeface="Times New Roman"/>
-        <a:font script="Thai" typeface="Angsana New"/>
-        <a:font script="Ethi" typeface="Nyala"/>
-        <a:font script="Beng" typeface="Vrinda"/>
-        <a:font script="Gujr" typeface="Shruti"/>
-        <a:font script="Khmr" typeface="MoolBoran"/>
-        <a:font script="Knda" typeface="Tunga"/>
-        <a:font script="Guru" typeface="Raavi"/>
-        <a:font script="Cans" typeface="Euphemia"/>
-        <a:font script="Cher" typeface="Plantagenet Cherokee"/>
-        <a:font script="Yiii" typeface="Microsoft Yi Baiti"/>
-        <a:font script="Tibt" typeface="Microsoft Himalaya"/>
-        <a:font script="Thaa" typeface="MV Boli"/>
-        <a:font script="Deva" typeface="Mangal"/>
-        <a:font script="Telu" typeface="Gautami"/>
-        <a:font script="Taml" typeface="Latha"/>
-        <a:font script="Syrc" typeface="Estrangelo Edessa"/>
-        <a:font script="Orya" typeface="Kalinga"/>
-        <a:font script="Mlym" typeface="Kartika"/>
-        <a:font script="Laoo" typeface="DokChampa"/>
-        <a:font script="Sinh" typeface="Iskoola Pota"/>
-        <a:font script="Mong" typeface="Mongolian Baiti"/>
-        <a:font script="Viet" typeface="Times New Roman"/>
-        <a:font script="Uigh" typeface="Microsoft Uighur"/>
-        <a:font script="Geor" typeface="Sylfaen"/>
-        <a:font script="Armn" typeface="Arial"/>
-        <a:font script="Bugi" typeface="Leelawadee UI"/>
-        <a:font script="Bopo" typeface="Microsoft JhengHei"/>
-        <a:font script="Java" typeface="Javanese Text"/>
-        <a:font script="Lisu" typeface="Segoe UI"/>
-        <a:font script="Mymr" typeface="Myanmar Text"/>
-        <a:font script="Nkoo" typeface="Ebrima"/>
-        <a:font script="Olck" typeface="Nirmala UI"/>
-        <a:font script="Osma" typeface="Ebrima"/>
-        <a:font script="Phag" typeface="Phagspa"/>
-        <a:font script="Syrn" typeface="Estrangelo Edessa"/>
-        <a:font script="Syrj" typeface="Estrangelo Edessa"/>
-        <a:font script="Syre" typeface="Estrangelo Edessa"/>
-        <a:font script="Sora" typeface="Nirmala UI"/>
-        <a:font script="Tale" typeface="Microsoft Tai Le"/>
-        <a:font script="Talu" typeface="Microsoft New Tai Lue"/>
-        <a:font script="Tfng" typeface="Ebrima"/>
-      </a:majorFont>
-      <a:minorFont>
-        <a:latin typeface="Calibri" panose="020F0502020204030204"/>
-        <a:ea typeface=""/>
-        <a:cs typeface=""/>
-        <a:font script="Jpan" typeface="游ゴシック"/>
-        <a:font script="Hang" typeface="맑은 고딕"/>
-        <a:font script="Hans" typeface="等线"/>
-        <a:font script="Hant" typeface="新細明體"/>
-        <a:font script="Arab" typeface="Arial"/>
-        <a:font script="Hebr" typeface="Arial"/>
-        <a:font script="Thai" typeface="Cordia New"/>
+        <a:font script="Arab" typeface="Tahoma"/>
+        <a:font script="Hebr" typeface="Gisha"/>
+        <a:font script="Thai" typeface="DilleniaUPC"/>
         <a:font script="Ethi" typeface="Nyala"/>
         <a:font script="Beng" typeface="Vrinda"/>
         <a:font script="Gujr" typeface="Shruti"/>
@@ -7474,107 +7770,86 @@
         <a:font script="Laoo" typeface="DokChampa"/>
         <a:font script="Sinh" typeface="Iskoola Pota"/>
         <a:font script="Mong" typeface="Mongolian Baiti"/>
-        <a:font script="Viet" typeface="Arial"/>
+        <a:font script="Viet" typeface="Tahoma"/>
         <a:font script="Uigh" typeface="Microsoft Uighur"/>
         <a:font script="Geor" typeface="Sylfaen"/>
-        <a:font script="Armn" typeface="Arial"/>
-        <a:font script="Bugi" typeface="Leelawadee UI"/>
-        <a:font script="Bopo" typeface="Microsoft JhengHei"/>
-        <a:font script="Java" typeface="Javanese Text"/>
-        <a:font script="Lisu" typeface="Segoe UI"/>
-        <a:font script="Mymr" typeface="Myanmar Text"/>
-        <a:font script="Nkoo" typeface="Ebrima"/>
-        <a:font script="Olck" typeface="Nirmala UI"/>
-        <a:font script="Osma" typeface="Ebrima"/>
-        <a:font script="Phag" typeface="Phagspa"/>
-        <a:font script="Syrn" typeface="Estrangelo Edessa"/>
-        <a:font script="Syrj" typeface="Estrangelo Edessa"/>
-        <a:font script="Syre" typeface="Estrangelo Edessa"/>
-        <a:font script="Sora" typeface="Nirmala UI"/>
-        <a:font script="Tale" typeface="Microsoft Tai Le"/>
-        <a:font script="Talu" typeface="Microsoft New Tai Lue"/>
-        <a:font script="Tfng" typeface="Ebrima"/>
+      </a:majorFont>
+      <a:minorFont>
+        <a:latin typeface="Century Schoolbook" panose="02040604050505020304"/>
+        <a:ea typeface=""/>
+        <a:cs typeface=""/>
+        <a:font script="Jpan" typeface="ＭＳ ゴシック"/>
+        <a:font script="Hang" typeface="맑은 고딕"/>
+        <a:font script="Hans" typeface="宋体"/>
+        <a:font script="Hant" typeface="新細明體"/>
+        <a:font script="Arab" typeface="Tahoma"/>
+        <a:font script="Hebr" typeface="Gisha"/>
+        <a:font script="Thai" typeface="DilleniaUPC"/>
+        <a:font script="Ethi" typeface="Nyala"/>
+        <a:font script="Beng" typeface="Vrinda"/>
+        <a:font script="Gujr" typeface="Shruti"/>
+        <a:font script="Khmr" typeface="DaunPenh"/>
+        <a:font script="Knda" typeface="Tunga"/>
+        <a:font script="Guru" typeface="Raavi"/>
+        <a:font script="Cans" typeface="Euphemia"/>
+        <a:font script="Cher" typeface="Plantagenet Cherokee"/>
+        <a:font script="Yiii" typeface="Microsoft Yi Baiti"/>
+        <a:font script="Tibt" typeface="Microsoft Himalaya"/>
+        <a:font script="Thaa" typeface="MV Boli"/>
+        <a:font script="Deva" typeface="Mangal"/>
+        <a:font script="Telu" typeface="Gautami"/>
+        <a:font script="Taml" typeface="Latha"/>
+        <a:font script="Syrc" typeface="Estrangelo Edessa"/>
+        <a:font script="Orya" typeface="Kalinga"/>
+        <a:font script="Mlym" typeface="Kartika"/>
+        <a:font script="Laoo" typeface="DokChampa"/>
+        <a:font script="Sinh" typeface="Iskoola Pota"/>
+        <a:font script="Mong" typeface="Mongolian Baiti"/>
+        <a:font script="Viet" typeface="Verdana"/>
+        <a:font script="Uigh" typeface="Microsoft Uighur"/>
+        <a:font script="Geor" typeface="Sylfaen"/>
       </a:minorFont>
     </a:fontScheme>
-    <a:fmtScheme name="Office">
+    <a:fmtScheme name="View">
       <a:fillStyleLst>
         <a:solidFill>
           <a:schemeClr val="phClr"/>
         </a:solidFill>
-        <a:gradFill rotWithShape="1">
-          <a:gsLst>
-            <a:gs pos="0">
-              <a:schemeClr val="phClr">
-                <a:lumMod val="110000"/>
-                <a:satMod val="105000"/>
-                <a:tint val="67000"/>
-              </a:schemeClr>
-            </a:gs>
-            <a:gs pos="50000">
-              <a:schemeClr val="phClr">
-                <a:lumMod val="105000"/>
-                <a:satMod val="103000"/>
-                <a:tint val="73000"/>
-              </a:schemeClr>
-            </a:gs>
-            <a:gs pos="100000">
-              <a:schemeClr val="phClr">
-                <a:lumMod val="105000"/>
-                <a:satMod val="109000"/>
-                <a:tint val="81000"/>
-              </a:schemeClr>
-            </a:gs>
-          </a:gsLst>
-          <a:lin ang="5400000" scaled="0"/>
-        </a:gradFill>
-        <a:gradFill rotWithShape="1">
-          <a:gsLst>
-            <a:gs pos="0">
-              <a:schemeClr val="phClr">
-                <a:satMod val="103000"/>
-                <a:lumMod val="102000"/>
-                <a:tint val="94000"/>
-              </a:schemeClr>
-            </a:gs>
-            <a:gs pos="50000">
-              <a:schemeClr val="phClr">
-                <a:satMod val="110000"/>
-                <a:lumMod val="100000"/>
-                <a:shade val="100000"/>
-              </a:schemeClr>
-            </a:gs>
-            <a:gs pos="100000">
-              <a:schemeClr val="phClr">
-                <a:lumMod val="99000"/>
-                <a:satMod val="120000"/>
-                <a:shade val="78000"/>
-              </a:schemeClr>
-            </a:gs>
-          </a:gsLst>
-          <a:lin ang="5400000" scaled="0"/>
-        </a:gradFill>
+        <a:solidFill>
+          <a:schemeClr val="phClr">
+            <a:tint val="60000"/>
+            <a:satMod val="120000"/>
+          </a:schemeClr>
+        </a:solidFill>
+        <a:solidFill>
+          <a:schemeClr val="phClr">
+            <a:shade val="75000"/>
+            <a:satMod val="160000"/>
+          </a:schemeClr>
+        </a:solidFill>
       </a:fillStyleLst>
       <a:lnStyleLst>
-        <a:ln w="6350" cap="flat" cmpd="sng" algn="ctr">
+        <a:ln w="9525" cap="flat" cmpd="sng" algn="ctr">
           <a:solidFill>
             <a:schemeClr val="phClr"/>
           </a:solidFill>
           <a:prstDash val="solid"/>
-          <a:miter lim="800000"/>
         </a:ln>
-        <a:ln w="12700" cap="flat" cmpd="sng" algn="ctr">
+        <a:ln w="13970" cap="flat" cmpd="sng" algn="ctr">
           <a:solidFill>
             <a:schemeClr val="phClr"/>
           </a:solidFill>
           <a:prstDash val="solid"/>
-          <a:miter lim="800000"/>
         </a:ln>
-        <a:ln w="19050" cap="flat" cmpd="sng" algn="ctr">
+        <a:ln w="17145" cap="flat" cmpd="sng" algn="ctr">
           <a:solidFill>
-            <a:schemeClr val="phClr"/>
+            <a:schemeClr val="phClr">
+              <a:shade val="95000"/>
+              <a:alpha val="95000"/>
+              <a:satMod val="150000"/>
+            </a:schemeClr>
           </a:solidFill>
           <a:prstDash val="solid"/>
-          <a:miter lim="800000"/>
         </a:ln>
       </a:lnStyleLst>
       <a:effectStyleLst>
@@ -7582,16 +7857,52 @@
           <a:effectLst/>
         </a:effectStyle>
         <a:effectStyle>
-          <a:effectLst/>
+          <a:effectLst>
+            <a:outerShdw blurRad="50800" dist="15240" dir="5400000" algn="tl" rotWithShape="0">
+              <a:srgbClr val="000000">
+                <a:alpha val="75000"/>
+              </a:srgbClr>
+            </a:outerShdw>
+          </a:effectLst>
+          <a:scene3d>
+            <a:camera prst="orthographicFront">
+              <a:rot lat="0" lon="0" rev="0"/>
+            </a:camera>
+            <a:lightRig rig="brightRoom" dir="tl"/>
+          </a:scene3d>
+          <a:sp3d contourW="9525" prstMaterial="flat">
+            <a:bevelT w="0" h="0" prst="coolSlant"/>
+            <a:contourClr>
+              <a:schemeClr val="phClr">
+                <a:shade val="35000"/>
+                <a:satMod val="130000"/>
+              </a:schemeClr>
+            </a:contourClr>
+          </a:sp3d>
         </a:effectStyle>
         <a:effectStyle>
           <a:effectLst>
-            <a:outerShdw blurRad="57150" dist="19050" dir="5400000" algn="ctr" rotWithShape="0">
+            <a:outerShdw blurRad="76200" dist="25400" dir="5400000" algn="tl" rotWithShape="0">
               <a:srgbClr val="000000">
-                <a:alpha val="63000"/>
+                <a:alpha val="55000"/>
               </a:srgbClr>
             </a:outerShdw>
           </a:effectLst>
+          <a:scene3d>
+            <a:camera prst="orthographicFront">
+              <a:rot lat="0" lon="0" rev="0"/>
+            </a:camera>
+            <a:lightRig rig="brightRoom" dir="tl"/>
+          </a:scene3d>
+          <a:sp3d contourW="19050" prstMaterial="flat">
+            <a:bevelT w="0" h="0" prst="coolSlant"/>
+            <a:contourClr>
+              <a:schemeClr val="phClr">
+                <a:shade val="25000"/>
+                <a:satMod val="140000"/>
+              </a:schemeClr>
+            </a:contourClr>
+          </a:sp3d>
         </a:effectStyle>
       </a:effectStyleLst>
       <a:bgFillStyleLst>
@@ -7608,28 +7919,23 @@
           <a:gsLst>
             <a:gs pos="0">
               <a:schemeClr val="phClr">
-                <a:tint val="93000"/>
-                <a:satMod val="150000"/>
+                <a:tint val="94000"/>
                 <a:shade val="98000"/>
+                <a:satMod val="130000"/>
                 <a:lumMod val="102000"/>
-              </a:schemeClr>
-            </a:gs>
-            <a:gs pos="50000">
-              <a:schemeClr val="phClr">
-                <a:tint val="98000"/>
-                <a:satMod val="130000"/>
-                <a:shade val="90000"/>
-                <a:lumMod val="103000"/>
               </a:schemeClr>
             </a:gs>
             <a:gs pos="100000">
               <a:schemeClr val="phClr">
-                <a:shade val="63000"/>
-                <a:satMod val="120000"/>
+                <a:tint val="98000"/>
+                <a:shade val="78000"/>
+                <a:satMod val="140000"/>
               </a:schemeClr>
             </a:gs>
           </a:gsLst>
-          <a:lin ang="5400000" scaled="0"/>
+          <a:path path="circle">
+            <a:fillToRect l="100000" t="100000" r="100000" b="100000"/>
+          </a:path>
         </a:gradFill>
       </a:bgFillStyleLst>
     </a:fmtScheme>
@@ -7638,7 +7944,7 @@
   <a:extraClrSchemeLst/>
   <a:extLst>
     <a:ext uri="{05A4C25C-085E-4340-85A3-A5531E510DB2}">
-      <thm15:themeFamily xmlns:thm15="http://schemas.microsoft.com/office/thememl/2012/main" name="Office Theme" id="{62F939B6-93AF-4DB8-9C6B-D6C7DFDC589F}" vid="{4A3C46E8-61CC-4603-A589-7422A47A8E4A}"/>
+      <thm15:themeFamily xmlns:thm15="http://schemas.microsoft.com/office/thememl/2012/main" name="View" id="{BA0EB5A6-F2D4-4F82-977B-64ADEE4A2A69}" vid="{3969A8A2-35DB-4E3B-8885-16FD20568674}"/>
     </a:ext>
   </a:extLst>
 </a:theme>
